--- a/doc/Data Format Component.pptx
+++ b/doc/Data Format Component.pptx
@@ -10,14 +10,14 @@
     <p:sldId id="258" r:id="rId4"/>
     <p:sldId id="259" r:id="rId5"/>
     <p:sldId id="260" r:id="rId6"/>
-    <p:sldId id="261" r:id="rId7"/>
-    <p:sldId id="262" r:id="rId8"/>
-    <p:sldId id="263" r:id="rId9"/>
-    <p:sldId id="264" r:id="rId10"/>
-    <p:sldId id="265" r:id="rId11"/>
-    <p:sldId id="266" r:id="rId12"/>
-    <p:sldId id="270" r:id="rId13"/>
-    <p:sldId id="267" r:id="rId14"/>
+    <p:sldId id="267" r:id="rId7"/>
+    <p:sldId id="264" r:id="rId8"/>
+    <p:sldId id="265" r:id="rId9"/>
+    <p:sldId id="270" r:id="rId10"/>
+    <p:sldId id="266" r:id="rId11"/>
+    <p:sldId id="261" r:id="rId12"/>
+    <p:sldId id="262" r:id="rId13"/>
+    <p:sldId id="263" r:id="rId14"/>
     <p:sldId id="268" r:id="rId15"/>
     <p:sldId id="269" r:id="rId16"/>
     <p:sldId id="272" r:id="rId17"/>
@@ -323,7 +323,7 @@
           <a:p>
             <a:fld id="{D17348EB-A3B3-4BE7-9A25-0AE4DF42C254}" type="datetimeFigureOut">
               <a:rPr kumimoji="1" lang="ja-JP" altLang="en-US" smtClean="0"/>
-              <a:t>2014/7/16</a:t>
+              <a:t>2014/7/17</a:t>
             </a:fld>
             <a:endParaRPr kumimoji="1" lang="ja-JP" altLang="en-US"/>
           </a:p>
@@ -520,7 +520,7 @@
           <a:p>
             <a:fld id="{D17348EB-A3B3-4BE7-9A25-0AE4DF42C254}" type="datetimeFigureOut">
               <a:rPr kumimoji="1" lang="ja-JP" altLang="en-US" smtClean="0"/>
-              <a:t>2014/7/16</a:t>
+              <a:t>2014/7/17</a:t>
             </a:fld>
             <a:endParaRPr kumimoji="1" lang="ja-JP" altLang="en-US"/>
           </a:p>
@@ -727,7 +727,7 @@
           <a:p>
             <a:fld id="{D17348EB-A3B3-4BE7-9A25-0AE4DF42C254}" type="datetimeFigureOut">
               <a:rPr kumimoji="1" lang="ja-JP" altLang="en-US" smtClean="0"/>
-              <a:t>2014/7/16</a:t>
+              <a:t>2014/7/17</a:t>
             </a:fld>
             <a:endParaRPr kumimoji="1" lang="ja-JP" altLang="en-US"/>
           </a:p>
@@ -924,7 +924,7 @@
           <a:p>
             <a:fld id="{D17348EB-A3B3-4BE7-9A25-0AE4DF42C254}" type="datetimeFigureOut">
               <a:rPr kumimoji="1" lang="ja-JP" altLang="en-US" smtClean="0"/>
-              <a:t>2014/7/16</a:t>
+              <a:t>2014/7/17</a:t>
             </a:fld>
             <a:endParaRPr kumimoji="1" lang="ja-JP" altLang="en-US"/>
           </a:p>
@@ -1165,7 +1165,7 @@
           <a:p>
             <a:fld id="{D17348EB-A3B3-4BE7-9A25-0AE4DF42C254}" type="datetimeFigureOut">
               <a:rPr kumimoji="1" lang="ja-JP" altLang="en-US" smtClean="0"/>
-              <a:t>2014/7/16</a:t>
+              <a:t>2014/7/17</a:t>
             </a:fld>
             <a:endParaRPr kumimoji="1" lang="ja-JP" altLang="en-US"/>
           </a:p>
@@ -1512,7 +1512,7 @@
           <a:p>
             <a:fld id="{D17348EB-A3B3-4BE7-9A25-0AE4DF42C254}" type="datetimeFigureOut">
               <a:rPr kumimoji="1" lang="ja-JP" altLang="en-US" smtClean="0"/>
-              <a:t>2014/7/16</a:t>
+              <a:t>2014/7/17</a:t>
             </a:fld>
             <a:endParaRPr kumimoji="1" lang="ja-JP" altLang="en-US"/>
           </a:p>
@@ -2005,7 +2005,7 @@
           <a:p>
             <a:fld id="{D17348EB-A3B3-4BE7-9A25-0AE4DF42C254}" type="datetimeFigureOut">
               <a:rPr kumimoji="1" lang="ja-JP" altLang="en-US" smtClean="0"/>
-              <a:t>2014/7/16</a:t>
+              <a:t>2014/7/17</a:t>
             </a:fld>
             <a:endParaRPr kumimoji="1" lang="ja-JP" altLang="en-US"/>
           </a:p>
@@ -2118,7 +2118,7 @@
           <a:p>
             <a:fld id="{D17348EB-A3B3-4BE7-9A25-0AE4DF42C254}" type="datetimeFigureOut">
               <a:rPr kumimoji="1" lang="ja-JP" altLang="en-US" smtClean="0"/>
-              <a:t>2014/7/16</a:t>
+              <a:t>2014/7/17</a:t>
             </a:fld>
             <a:endParaRPr kumimoji="1" lang="ja-JP" altLang="en-US"/>
           </a:p>
@@ -2208,7 +2208,7 @@
           <a:p>
             <a:fld id="{D17348EB-A3B3-4BE7-9A25-0AE4DF42C254}" type="datetimeFigureOut">
               <a:rPr kumimoji="1" lang="ja-JP" altLang="en-US" smtClean="0"/>
-              <a:t>2014/7/16</a:t>
+              <a:t>2014/7/17</a:t>
             </a:fld>
             <a:endParaRPr kumimoji="1" lang="ja-JP" altLang="en-US"/>
           </a:p>
@@ -2397,7 +2397,7 @@
           <a:p>
             <a:fld id="{D17348EB-A3B3-4BE7-9A25-0AE4DF42C254}" type="datetimeFigureOut">
               <a:rPr kumimoji="1" lang="ja-JP" altLang="en-US" smtClean="0"/>
-              <a:t>2014/7/16</a:t>
+              <a:t>2014/7/17</a:t>
             </a:fld>
             <a:endParaRPr kumimoji="1" lang="ja-JP" altLang="en-US"/>
           </a:p>
@@ -2747,7 +2747,7 @@
           <a:p>
             <a:fld id="{D17348EB-A3B3-4BE7-9A25-0AE4DF42C254}" type="datetimeFigureOut">
               <a:rPr kumimoji="1" lang="ja-JP" altLang="en-US" smtClean="0"/>
-              <a:t>2014/7/16</a:t>
+              <a:t>2014/7/17</a:t>
             </a:fld>
             <a:endParaRPr kumimoji="1" lang="ja-JP" altLang="en-US"/>
           </a:p>
@@ -3158,7 +3158,7 @@
           <a:p>
             <a:fld id="{D17348EB-A3B3-4BE7-9A25-0AE4DF42C254}" type="datetimeFigureOut">
               <a:rPr kumimoji="1" lang="ja-JP" altLang="en-US" smtClean="0"/>
-              <a:t>2014/7/16</a:t>
+              <a:t>2014/7/17</a:t>
             </a:fld>
             <a:endParaRPr kumimoji="1" lang="ja-JP" altLang="en-US"/>
           </a:p>
@@ -3558,114 +3558,6 @@
           </a:p>
         </p:txBody>
       </p:sp>
-      <p:pic>
-        <p:nvPicPr>
-          <p:cNvPr id="1026" name="Picture 2"/>
-          <p:cNvPicPr>
-            <a:picLocks noChangeAspect="1" noChangeArrowheads="1"/>
-          </p:cNvPicPr>
-          <p:nvPr/>
-        </p:nvPicPr>
-        <p:blipFill>
-          <a:blip r:embed="rId2">
-            <a:extLst>
-              <a:ext uri="{28A0092B-C50C-407E-A947-70E740481C1C}">
-                <a14:useLocalDpi xmlns:a14="http://schemas.microsoft.com/office/drawing/2010/main" val="0"/>
-              </a:ext>
-            </a:extLst>
-          </a:blip>
-          <a:srcRect/>
-          <a:stretch>
-            <a:fillRect/>
-          </a:stretch>
-        </p:blipFill>
-        <p:spPr bwMode="auto">
-          <a:xfrm>
-            <a:off x="4427984" y="5530949"/>
-            <a:ext cx="2495550" cy="1028700"/>
-          </a:xfrm>
-          <a:prstGeom prst="rect">
-            <a:avLst/>
-          </a:prstGeom>
-          <a:noFill/>
-          <a:ln>
-            <a:noFill/>
-          </a:ln>
-          <a:extLst>
-            <a:ext uri="{909E8E84-426E-40DD-AFC4-6F175D3DCCD1}">
-              <a14:hiddenFill xmlns:a14="http://schemas.microsoft.com/office/drawing/2010/main">
-                <a:solidFill>
-                  <a:schemeClr val="accent1"/>
-                </a:solidFill>
-              </a14:hiddenFill>
-            </a:ext>
-            <a:ext uri="{91240B29-F687-4F45-9708-019B960494DF}">
-              <a14:hiddenLine xmlns:a14="http://schemas.microsoft.com/office/drawing/2010/main" w="9525">
-                <a:solidFill>
-                  <a:schemeClr val="tx1"/>
-                </a:solidFill>
-                <a:miter lim="800000"/>
-                <a:headEnd/>
-                <a:tailEnd/>
-              </a14:hiddenLine>
-            </a:ext>
-          </a:extLst>
-        </p:spPr>
-      </p:pic>
-      <p:pic>
-        <p:nvPicPr>
-          <p:cNvPr id="1027" name="Picture 3"/>
-          <p:cNvPicPr>
-            <a:picLocks noChangeAspect="1" noChangeArrowheads="1"/>
-          </p:cNvPicPr>
-          <p:nvPr/>
-        </p:nvPicPr>
-        <p:blipFill>
-          <a:blip r:embed="rId3">
-            <a:extLst>
-              <a:ext uri="{28A0092B-C50C-407E-A947-70E740481C1C}">
-                <a14:useLocalDpi xmlns:a14="http://schemas.microsoft.com/office/drawing/2010/main" val="0"/>
-              </a:ext>
-            </a:extLst>
-          </a:blip>
-          <a:srcRect/>
-          <a:stretch>
-            <a:fillRect/>
-          </a:stretch>
-        </p:blipFill>
-        <p:spPr bwMode="auto">
-          <a:xfrm>
-            <a:off x="7020272" y="5616674"/>
-            <a:ext cx="1143000" cy="857250"/>
-          </a:xfrm>
-          <a:prstGeom prst="rect">
-            <a:avLst/>
-          </a:prstGeom>
-          <a:noFill/>
-          <a:ln>
-            <a:noFill/>
-          </a:ln>
-          <a:extLst>
-            <a:ext uri="{909E8E84-426E-40DD-AFC4-6F175D3DCCD1}">
-              <a14:hiddenFill xmlns:a14="http://schemas.microsoft.com/office/drawing/2010/main">
-                <a:solidFill>
-                  <a:schemeClr val="accent1"/>
-                </a:solidFill>
-              </a14:hiddenFill>
-            </a:ext>
-            <a:ext uri="{91240B29-F687-4F45-9708-019B960494DF}">
-              <a14:hiddenLine xmlns:a14="http://schemas.microsoft.com/office/drawing/2010/main" w="9525">
-                <a:solidFill>
-                  <a:schemeClr val="tx1"/>
-                </a:solidFill>
-                <a:miter lim="800000"/>
-                <a:headEnd/>
-                <a:tailEnd/>
-              </a14:hiddenLine>
-            </a:ext>
-          </a:extLst>
-        </p:spPr>
-      </p:pic>
     </p:spTree>
     <p:extLst>
       <p:ext uri="{BB962C8B-B14F-4D97-AF65-F5344CB8AC3E}">
@@ -3719,24 +3611,8 @@
           <a:lstStyle/>
           <a:p>
             <a:r>
-              <a:rPr lang="en-US" altLang="ja-JP"/>
-              <a:t>Maven Project</a:t>
-            </a:r>
-            <a:r>
               <a:rPr lang="ja-JP" altLang="en-US"/>
-              <a:t>の作成 </a:t>
-            </a:r>
-            <a:r>
-              <a:rPr lang="ja-JP" altLang="en-US" smtClean="0"/>
-              <a:t>（</a:t>
-            </a:r>
-            <a:r>
-              <a:rPr lang="en-US" altLang="ja-JP" smtClean="0"/>
-              <a:t>2</a:t>
-            </a:r>
-            <a:r>
-              <a:rPr lang="ja-JP" altLang="en-US" smtClean="0"/>
-              <a:t>）</a:t>
+              <a:t>ビルドの確認</a:t>
             </a:r>
             <a:endParaRPr kumimoji="1" lang="ja-JP" altLang="en-US"/>
           </a:p>
@@ -3752,138 +3628,253 @@
             <p:ph idx="1"/>
           </p:nvPr>
         </p:nvSpPr>
+        <p:spPr/>
+        <p:txBody>
+          <a:bodyPr/>
+          <a:lstStyle/>
+          <a:p>
+            <a:r>
+              <a:rPr kumimoji="1" lang="ja-JP" altLang="en-US" smtClean="0"/>
+              <a:t>ビルドできることを確認する</a:t>
+            </a:r>
+            <a:endParaRPr kumimoji="1" lang="ja-JP" altLang="en-US"/>
+          </a:p>
+        </p:txBody>
+      </p:sp>
+      <p:sp>
+        <p:nvSpPr>
+          <p:cNvPr id="4" name="テキスト ボックス 3"/>
+          <p:cNvSpPr txBox="1"/>
+          <p:nvPr/>
+        </p:nvSpPr>
         <p:spPr>
           <a:xfrm>
-            <a:off x="457200" y="1600200"/>
-            <a:ext cx="7620000" cy="748680"/>
-          </a:xfrm>
-        </p:spPr>
-        <p:txBody>
-          <a:bodyPr/>
-          <a:lstStyle/>
-          <a:p>
-            <a:r>
-              <a:rPr kumimoji="1" lang="ja-JP" altLang="en-US" smtClean="0"/>
-              <a:t>以下のディレクトリ、ファイルが生成される</a:t>
-            </a:r>
-            <a:endParaRPr kumimoji="1" lang="ja-JP" altLang="en-US"/>
-          </a:p>
-        </p:txBody>
-      </p:sp>
-      <p:pic>
-        <p:nvPicPr>
-          <p:cNvPr id="1026" name="Picture 2"/>
-          <p:cNvPicPr>
-            <a:picLocks noChangeAspect="1" noChangeArrowheads="1"/>
-          </p:cNvPicPr>
-          <p:nvPr/>
-        </p:nvPicPr>
-        <p:blipFill>
-          <a:blip r:embed="rId2">
-            <a:extLst>
-              <a:ext uri="{28A0092B-C50C-407E-A947-70E740481C1C}">
-                <a14:useLocalDpi xmlns:a14="http://schemas.microsoft.com/office/drawing/2010/main" val="0"/>
-              </a:ext>
-            </a:extLst>
-          </a:blip>
-          <a:srcRect/>
-          <a:stretch>
-            <a:fillRect/>
-          </a:stretch>
-        </p:blipFill>
-        <p:spPr bwMode="auto">
-          <a:xfrm>
-            <a:off x="2051720" y="2276872"/>
-            <a:ext cx="3790950" cy="3971925"/>
+            <a:off x="899592" y="2139219"/>
+            <a:ext cx="6696744" cy="3785652"/>
           </a:xfrm>
           <a:prstGeom prst="rect">
             <a:avLst/>
           </a:prstGeom>
-          <a:noFill/>
-          <a:ln>
-            <a:noFill/>
-          </a:ln>
-          <a:effectLst/>
-          <a:extLst>
-            <a:ext uri="{909E8E84-426E-40DD-AFC4-6F175D3DCCD1}">
-              <a14:hiddenFill xmlns:a14="http://schemas.microsoft.com/office/drawing/2010/main">
-                <a:solidFill>
-                  <a:schemeClr val="accent1"/>
-                </a:solidFill>
-              </a14:hiddenFill>
-            </a:ext>
-            <a:ext uri="{91240B29-F687-4F45-9708-019B960494DF}">
-              <a14:hiddenLine xmlns:a14="http://schemas.microsoft.com/office/drawing/2010/main" w="9525">
-                <a:solidFill>
-                  <a:schemeClr val="tx1"/>
-                </a:solidFill>
-                <a:miter lim="800000"/>
-                <a:headEnd/>
-                <a:tailEnd/>
-              </a14:hiddenLine>
-            </a:ext>
-            <a:ext uri="{AF507438-7753-43E0-B8FC-AC1667EBCBE1}">
-              <a14:hiddenEffects xmlns:a14="http://schemas.microsoft.com/office/drawing/2010/main">
-                <a:effectLst>
-                  <a:outerShdw dist="35921" dir="2700000" algn="ctr" rotWithShape="0">
-                    <a:schemeClr val="bg2"/>
-                  </a:outerShdw>
-                </a:effectLst>
-              </a14:hiddenEffects>
-            </a:ext>
-          </a:extLst>
-        </p:spPr>
-      </p:pic>
-      <p:sp>
-        <p:nvSpPr>
-          <p:cNvPr id="4" name="正方形/長方形 3"/>
-          <p:cNvSpPr/>
-          <p:nvPr/>
-        </p:nvSpPr>
-        <p:spPr>
-          <a:xfrm>
-            <a:off x="3707904" y="3789040"/>
-            <a:ext cx="2520280" cy="473794"/>
-          </a:xfrm>
-          <a:prstGeom prst="rect">
-            <a:avLst/>
-          </a:prstGeom>
-          <a:noFill/>
+          <a:solidFill>
+            <a:schemeClr val="tx1"/>
+          </a:solidFill>
           <a:ln>
             <a:solidFill>
-              <a:srgbClr val="FF0000"/>
+              <a:schemeClr val="tx1"/>
             </a:solidFill>
           </a:ln>
         </p:spPr>
-        <p:style>
-          <a:lnRef idx="2">
-            <a:schemeClr val="accent1">
-              <a:shade val="50000"/>
-            </a:schemeClr>
-          </a:lnRef>
-          <a:fillRef idx="1">
-            <a:schemeClr val="accent1"/>
-          </a:fillRef>
-          <a:effectRef idx="0">
-            <a:schemeClr val="accent1"/>
-          </a:effectRef>
-          <a:fontRef idx="minor">
-            <a:schemeClr val="lt1"/>
-          </a:fontRef>
-        </p:style>
-        <p:txBody>
-          <a:bodyPr rtlCol="0" anchor="ctr"/>
-          <a:lstStyle/>
-          <a:p>
-            <a:pPr algn="ctr"/>
-            <a:endParaRPr kumimoji="1" lang="ja-JP" altLang="en-US"/>
+        <p:txBody>
+          <a:bodyPr wrap="square" rtlCol="0">
+            <a:spAutoFit/>
+          </a:bodyPr>
+          <a:lstStyle/>
+          <a:p>
+            <a:r>
+              <a:rPr lang="en-US" altLang="ja-JP" sz="1200" smtClean="0">
+                <a:solidFill>
+                  <a:schemeClr val="bg1"/>
+                </a:solidFill>
+              </a:rPr>
+              <a:t>C:\xlsbeans\mvn package</a:t>
+            </a:r>
+          </a:p>
+          <a:p>
+            <a:r>
+              <a:rPr lang="en-US" altLang="ja-JP" sz="1200">
+                <a:solidFill>
+                  <a:schemeClr val="bg1"/>
+                </a:solidFill>
+              </a:rPr>
+              <a:t>[INFO] Scanning for projects...</a:t>
+            </a:r>
+          </a:p>
+          <a:p>
+            <a:r>
+              <a:rPr lang="en-US" altLang="ja-JP" sz="1200">
+                <a:solidFill>
+                  <a:schemeClr val="bg1"/>
+                </a:solidFill>
+              </a:rPr>
+              <a:t>[INFO]</a:t>
+            </a:r>
+          </a:p>
+          <a:p>
+            <a:r>
+              <a:rPr lang="en-US" altLang="ja-JP" sz="1200">
+                <a:solidFill>
+                  <a:schemeClr val="bg1"/>
+                </a:solidFill>
+              </a:rPr>
+              <a:t>[INFO] ------------------------------------------------------------------------</a:t>
+            </a:r>
+          </a:p>
+          <a:p>
+            <a:r>
+              <a:rPr lang="en-US" altLang="ja-JP" sz="1200">
+                <a:solidFill>
+                  <a:schemeClr val="bg1"/>
+                </a:solidFill>
+              </a:rPr>
+              <a:t>[INFO] Building Camel XLSBeans Data format 1.0-SNAPSHOT</a:t>
+            </a:r>
+          </a:p>
+          <a:p>
+            <a:r>
+              <a:rPr lang="en-US" altLang="ja-JP" sz="1200">
+                <a:solidFill>
+                  <a:schemeClr val="bg1"/>
+                </a:solidFill>
+              </a:rPr>
+              <a:t>[INFO] ------------------------------------------------------------------------</a:t>
+            </a:r>
+          </a:p>
+          <a:p>
+            <a:endParaRPr lang="en-US" altLang="ja-JP" sz="1200" smtClean="0">
+              <a:solidFill>
+                <a:schemeClr val="bg1"/>
+              </a:solidFill>
+            </a:endParaRPr>
+          </a:p>
+          <a:p>
+            <a:r>
+              <a:rPr lang="en-US" altLang="ja-JP" sz="1200" smtClean="0">
+                <a:solidFill>
+                  <a:schemeClr val="bg1"/>
+                </a:solidFill>
+              </a:rPr>
+              <a:t>(snip)</a:t>
+            </a:r>
+            <a:endParaRPr lang="en-US" altLang="ja-JP" sz="1200">
+              <a:solidFill>
+                <a:schemeClr val="bg1"/>
+              </a:solidFill>
+            </a:endParaRPr>
+          </a:p>
+          <a:p>
+            <a:endParaRPr lang="en-US" altLang="ja-JP" sz="1200" smtClean="0">
+              <a:solidFill>
+                <a:schemeClr val="bg1"/>
+              </a:solidFill>
+            </a:endParaRPr>
+          </a:p>
+          <a:p>
+            <a:r>
+              <a:rPr lang="en-US" altLang="ja-JP" sz="1200" smtClean="0">
+                <a:solidFill>
+                  <a:schemeClr val="bg1"/>
+                </a:solidFill>
+              </a:rPr>
+              <a:t>[</a:t>
+            </a:r>
+            <a:r>
+              <a:rPr lang="en-US" altLang="ja-JP" sz="1200">
+                <a:solidFill>
+                  <a:schemeClr val="bg1"/>
+                </a:solidFill>
+              </a:rPr>
+              <a:t>INFO]</a:t>
+            </a:r>
+          </a:p>
+          <a:p>
+            <a:r>
+              <a:rPr lang="en-US" altLang="ja-JP" sz="1200">
+                <a:solidFill>
+                  <a:schemeClr val="bg1"/>
+                </a:solidFill>
+              </a:rPr>
+              <a:t>[INFO] --- maven-jar-plugin:2.3.2:jar (default-jar) @ xlsbeans ---</a:t>
+            </a:r>
+          </a:p>
+          <a:p>
+            <a:r>
+              <a:rPr lang="en-US" altLang="ja-JP" sz="1200">
+                <a:solidFill>
+                  <a:schemeClr val="bg1"/>
+                </a:solidFill>
+              </a:rPr>
+              <a:t>[INFO] Building jar: c:\home\tmp\xlsbeans\target\xlsbeans-1.0-SNAPSHOT.jar</a:t>
+            </a:r>
+          </a:p>
+          <a:p>
+            <a:r>
+              <a:rPr lang="en-US" altLang="ja-JP" sz="1200">
+                <a:solidFill>
+                  <a:schemeClr val="bg1"/>
+                </a:solidFill>
+              </a:rPr>
+              <a:t>[INFO] ------------------------------------------------------------------------</a:t>
+            </a:r>
+          </a:p>
+          <a:p>
+            <a:r>
+              <a:rPr lang="en-US" altLang="ja-JP" sz="1200">
+                <a:solidFill>
+                  <a:schemeClr val="bg1"/>
+                </a:solidFill>
+              </a:rPr>
+              <a:t>[INFO] BUILD SUCCESS</a:t>
+            </a:r>
+          </a:p>
+          <a:p>
+            <a:r>
+              <a:rPr lang="en-US" altLang="ja-JP" sz="1200">
+                <a:solidFill>
+                  <a:schemeClr val="bg1"/>
+                </a:solidFill>
+              </a:rPr>
+              <a:t>[INFO] ------------------------------------------------------------------------</a:t>
+            </a:r>
+          </a:p>
+          <a:p>
+            <a:r>
+              <a:rPr lang="en-US" altLang="ja-JP" sz="1200">
+                <a:solidFill>
+                  <a:schemeClr val="bg1"/>
+                </a:solidFill>
+              </a:rPr>
+              <a:t>[INFO] Total time: 13.370s</a:t>
+            </a:r>
+          </a:p>
+          <a:p>
+            <a:r>
+              <a:rPr lang="en-US" altLang="ja-JP" sz="1200">
+                <a:solidFill>
+                  <a:schemeClr val="bg1"/>
+                </a:solidFill>
+              </a:rPr>
+              <a:t>[INFO] Finished at: Wed Jul 16 10:52:18 JST 2014</a:t>
+            </a:r>
+          </a:p>
+          <a:p>
+            <a:r>
+              <a:rPr lang="en-US" altLang="ja-JP" sz="1200">
+                <a:solidFill>
+                  <a:schemeClr val="bg1"/>
+                </a:solidFill>
+              </a:rPr>
+              <a:t>[INFO] Final Memory: 7M/17M</a:t>
+            </a:r>
+          </a:p>
+          <a:p>
+            <a:r>
+              <a:rPr lang="en-US" altLang="ja-JP" sz="1200">
+                <a:solidFill>
+                  <a:schemeClr val="bg1"/>
+                </a:solidFill>
+              </a:rPr>
+              <a:t>[INFO] ------------------------------------------------------------------------</a:t>
+            </a:r>
+          </a:p>
+          <a:p>
+            <a:endParaRPr kumimoji="1" lang="ja-JP" altLang="en-US" sz="1200"/>
           </a:p>
         </p:txBody>
       </p:sp>
     </p:spTree>
     <p:extLst>
       <p:ext uri="{BB962C8B-B14F-4D97-AF65-F5344CB8AC3E}">
-        <p14:creationId xmlns:p14="http://schemas.microsoft.com/office/powerpoint/2010/main" val="1189142836"/>
+        <p14:creationId xmlns:p14="http://schemas.microsoft.com/office/powerpoint/2010/main" val="2438444142"/>
       </p:ext>
     </p:extLst>
   </p:cSld>
@@ -3933,24 +3924,12 @@
           <a:lstStyle/>
           <a:p>
             <a:r>
-              <a:rPr lang="en-US" altLang="ja-JP"/>
-              <a:t>Maven Project</a:t>
-            </a:r>
-            <a:r>
-              <a:rPr lang="ja-JP" altLang="en-US"/>
-              <a:t>の作成 </a:t>
-            </a:r>
-            <a:r>
-              <a:rPr lang="ja-JP" altLang="en-US" smtClean="0"/>
-              <a:t>（</a:t>
-            </a:r>
-            <a:r>
               <a:rPr lang="en-US" altLang="ja-JP" smtClean="0"/>
-              <a:t>3</a:t>
-            </a:r>
-            <a:r>
-              <a:rPr lang="ja-JP" altLang="en-US" smtClean="0"/>
-              <a:t>）</a:t>
+              <a:t>DataFormat</a:t>
+            </a:r>
+            <a:r>
+              <a:rPr lang="ja-JP" altLang="en-US" smtClean="0"/>
+              <a:t>インタフェース</a:t>
             </a:r>
             <a:endParaRPr kumimoji="1" lang="ja-JP" altLang="en-US"/>
           </a:p>
@@ -3972,9 +3951,34 @@
           <a:lstStyle/>
           <a:p>
             <a:r>
+              <a:rPr kumimoji="1" lang="en-US" altLang="ja-JP" smtClean="0"/>
+              <a:t>Excel</a:t>
+            </a:r>
+            <a:r>
               <a:rPr kumimoji="1" lang="ja-JP" altLang="en-US" smtClean="0"/>
-              <a:t>ビルドできることを確認する</a:t>
-            </a:r>
+              <a:t>⇔</a:t>
+            </a:r>
+            <a:r>
+              <a:rPr kumimoji="1" lang="en-US" altLang="ja-JP" smtClean="0"/>
+              <a:t>JavaBeans</a:t>
+            </a:r>
+            <a:r>
+              <a:rPr kumimoji="1" lang="ja-JP" altLang="en-US" smtClean="0"/>
+              <a:t>を行うメソッドを提供</a:t>
+            </a:r>
+            <a:endParaRPr kumimoji="1" lang="en-US" altLang="ja-JP" smtClean="0"/>
+          </a:p>
+          <a:p>
+            <a:r>
+              <a:rPr lang="ja-JP" altLang="en-US" smtClean="0"/>
+              <a:t>必須のインタフェース</a:t>
+            </a:r>
+            <a:endParaRPr kumimoji="1" lang="en-US" altLang="ja-JP" smtClean="0"/>
+          </a:p>
+          <a:p>
+            <a:pPr marL="114300" indent="0">
+              <a:buNone/>
+            </a:pPr>
             <a:endParaRPr kumimoji="1" lang="ja-JP" altLang="en-US"/>
           </a:p>
         </p:txBody>
@@ -3987,20 +3991,13 @@
         </p:nvSpPr>
         <p:spPr>
           <a:xfrm>
-            <a:off x="899592" y="2139219"/>
-            <a:ext cx="6696744" cy="3785652"/>
+            <a:off x="395536" y="2564904"/>
+            <a:ext cx="7920880" cy="3170099"/>
           </a:xfrm>
           <a:prstGeom prst="rect">
             <a:avLst/>
           </a:prstGeom>
-          <a:solidFill>
-            <a:schemeClr val="tx1"/>
-          </a:solidFill>
-          <a:ln>
-            <a:solidFill>
-              <a:schemeClr val="tx1"/>
-            </a:solidFill>
-          </a:ln>
+          <a:noFill/>
         </p:spPr>
         <p:txBody>
           <a:bodyPr wrap="square" rtlCol="0">
@@ -4009,210 +4006,179 @@
           <a:lstStyle/>
           <a:p>
             <a:r>
-              <a:rPr lang="en-US" altLang="ja-JP" sz="1200" smtClean="0">
+              <a:rPr lang="en-US" altLang="ja-JP" sz="1400"/>
+              <a:t>package org.apache.camel.spi</a:t>
+            </a:r>
+            <a:r>
+              <a:rPr lang="en-US" altLang="ja-JP" sz="1400" smtClean="0"/>
+              <a:t>;</a:t>
+            </a:r>
+          </a:p>
+          <a:p>
+            <a:endParaRPr lang="en-US" altLang="ja-JP" sz="1400" smtClean="0"/>
+          </a:p>
+          <a:p>
+            <a:r>
+              <a:rPr lang="en-US" altLang="ja-JP" sz="1400" smtClean="0"/>
+              <a:t>public </a:t>
+            </a:r>
+            <a:r>
+              <a:rPr lang="en-US" altLang="ja-JP" sz="1400"/>
+              <a:t>interface DataFormat {</a:t>
+            </a:r>
+          </a:p>
+          <a:p>
+            <a:endParaRPr lang="en-US" altLang="ja-JP" sz="1400" smtClean="0"/>
+          </a:p>
+          <a:p>
+            <a:r>
+              <a:rPr lang="en-US" altLang="ja-JP" sz="1400"/>
+              <a:t> </a:t>
+            </a:r>
+            <a:r>
+              <a:rPr lang="en-US" altLang="ja-JP" sz="1400" smtClean="0"/>
+              <a:t>   // JavaBeans</a:t>
+            </a:r>
+            <a:r>
+              <a:rPr lang="ja-JP" altLang="en-US" sz="1400"/>
+              <a:t> </a:t>
+            </a:r>
+            <a:r>
+              <a:rPr lang="ja-JP" altLang="en-US" sz="1400" smtClean="0"/>
+              <a:t>の変換　今回は実装しない</a:t>
+            </a:r>
+            <a:endParaRPr lang="en-US" altLang="ja-JP" sz="1400"/>
+          </a:p>
+          <a:p>
+            <a:r>
+              <a:rPr lang="en-US" altLang="ja-JP" sz="1400" smtClean="0"/>
+              <a:t>    void </a:t>
+            </a:r>
+            <a:r>
+              <a:rPr lang="en-US" altLang="ja-JP" sz="1400"/>
+              <a:t>marshal(Exchange exchange, Object graph, OutputStream stream) </a:t>
+            </a:r>
+            <a:endParaRPr lang="en-US" altLang="ja-JP" sz="1400" smtClean="0"/>
+          </a:p>
+          <a:p>
+            <a:r>
+              <a:rPr lang="en-US" altLang="ja-JP" sz="1400"/>
+              <a:t> </a:t>
+            </a:r>
+            <a:r>
+              <a:rPr lang="en-US" altLang="ja-JP" sz="1400" smtClean="0"/>
+              <a:t>        throws </a:t>
+            </a:r>
+            <a:r>
+              <a:rPr lang="en-US" altLang="ja-JP" sz="1400"/>
+              <a:t>Exception;</a:t>
+            </a:r>
+          </a:p>
+          <a:p>
+            <a:endParaRPr lang="en-US" altLang="ja-JP" sz="1400" smtClean="0"/>
+          </a:p>
+          <a:p>
+            <a:r>
+              <a:rPr lang="en-US" altLang="ja-JP" sz="1400"/>
+              <a:t> </a:t>
+            </a:r>
+            <a:r>
+              <a:rPr lang="en-US" altLang="ja-JP" sz="1400" smtClean="0"/>
+              <a:t>   //  Excel </a:t>
+            </a:r>
+            <a:r>
+              <a:rPr lang="ja-JP" altLang="en-US" sz="1400" smtClean="0"/>
+              <a:t>⇒ </a:t>
+            </a:r>
+            <a:r>
+              <a:rPr lang="en-US" altLang="ja-JP" sz="1400" smtClean="0"/>
+              <a:t>JavaBeans</a:t>
+            </a:r>
+            <a:r>
+              <a:rPr lang="ja-JP" altLang="en-US" sz="1400" smtClean="0"/>
+              <a:t>の変換を行う</a:t>
+            </a:r>
+            <a:endParaRPr lang="en-US" altLang="ja-JP" sz="1400" smtClean="0"/>
+          </a:p>
+          <a:p>
+            <a:r>
+              <a:rPr lang="en-US" altLang="ja-JP" sz="1400"/>
+              <a:t> </a:t>
+            </a:r>
+            <a:r>
+              <a:rPr lang="en-US" altLang="ja-JP" sz="1400" smtClean="0"/>
+              <a:t>   //  stream</a:t>
+            </a:r>
+            <a:r>
+              <a:rPr lang="ja-JP" altLang="en-US" sz="1400" smtClean="0"/>
+              <a:t>は、</a:t>
+            </a:r>
+            <a:r>
+              <a:rPr lang="en-US" altLang="ja-JP" sz="1400" smtClean="0"/>
+              <a:t>Excel</a:t>
+            </a:r>
+            <a:r>
+              <a:rPr lang="ja-JP" altLang="en-US" sz="1400" smtClean="0"/>
+              <a:t>ファイルのストリーム形式</a:t>
+            </a:r>
+            <a:r>
+              <a:rPr lang="en-US" altLang="ja-JP" sz="1400" smtClean="0"/>
+              <a:t> </a:t>
+            </a:r>
+            <a:endParaRPr lang="en-US" altLang="ja-JP" sz="1400"/>
+          </a:p>
+          <a:p>
+            <a:r>
+              <a:rPr lang="en-US" altLang="ja-JP" sz="1400" smtClean="0"/>
+              <a:t>    </a:t>
+            </a:r>
+            <a:r>
+              <a:rPr lang="en-US" altLang="ja-JP" sz="1400" b="1" smtClean="0">
                 <a:solidFill>
-                  <a:schemeClr val="bg1"/>
+                  <a:srgbClr val="FF0000"/>
                 </a:solidFill>
               </a:rPr>
-              <a:t>C:\xlsbeans\mvn package</a:t>
-            </a:r>
-          </a:p>
-          <a:p>
-            <a:r>
-              <a:rPr lang="en-US" altLang="ja-JP" sz="1200">
+              <a:t>Object </a:t>
+            </a:r>
+            <a:r>
+              <a:rPr lang="en-US" altLang="ja-JP" sz="1400" b="1">
                 <a:solidFill>
-                  <a:schemeClr val="bg1"/>
+                  <a:srgbClr val="FF0000"/>
                 </a:solidFill>
               </a:rPr>
-              <a:t>[INFO] Scanning for projects...</a:t>
-            </a:r>
-          </a:p>
-          <a:p>
-            <a:r>
-              <a:rPr lang="en-US" altLang="ja-JP" sz="1200">
+              <a:t>unmarshal(Exchange exchange, InputStream stream) throws Exception</a:t>
+            </a:r>
+            <a:r>
+              <a:rPr lang="en-US" altLang="ja-JP" sz="1400" b="1" smtClean="0">
                 <a:solidFill>
-                  <a:schemeClr val="bg1"/>
+                  <a:srgbClr val="FF0000"/>
                 </a:solidFill>
               </a:rPr>
-              <a:t>[INFO]</a:t>
-            </a:r>
-          </a:p>
-          <a:p>
-            <a:r>
-              <a:rPr lang="en-US" altLang="ja-JP" sz="1200">
-                <a:solidFill>
-                  <a:schemeClr val="bg1"/>
-                </a:solidFill>
-              </a:rPr>
-              <a:t>[INFO] ------------------------------------------------------------------------</a:t>
-            </a:r>
-          </a:p>
-          <a:p>
-            <a:r>
-              <a:rPr lang="en-US" altLang="ja-JP" sz="1200">
-                <a:solidFill>
-                  <a:schemeClr val="bg1"/>
-                </a:solidFill>
-              </a:rPr>
-              <a:t>[INFO] Building Camel XLSBeans Data format 1.0-SNAPSHOT</a:t>
-            </a:r>
-          </a:p>
-          <a:p>
-            <a:r>
-              <a:rPr lang="en-US" altLang="ja-JP" sz="1200">
-                <a:solidFill>
-                  <a:schemeClr val="bg1"/>
-                </a:solidFill>
-              </a:rPr>
-              <a:t>[INFO] ------------------------------------------------------------------------</a:t>
-            </a:r>
-          </a:p>
-          <a:p>
-            <a:endParaRPr lang="en-US" altLang="ja-JP" sz="1200" smtClean="0">
+              <a:t>;</a:t>
+            </a:r>
+          </a:p>
+          <a:p>
+            <a:endParaRPr lang="en-US" altLang="ja-JP" sz="1400" b="1">
               <a:solidFill>
-                <a:schemeClr val="bg1"/>
+                <a:srgbClr val="FF0000"/>
               </a:solidFill>
             </a:endParaRPr>
           </a:p>
           <a:p>
             <a:r>
-              <a:rPr lang="en-US" altLang="ja-JP" sz="1200" smtClean="0">
-                <a:solidFill>
-                  <a:schemeClr val="bg1"/>
-                </a:solidFill>
-              </a:rPr>
-              <a:t>(snip)</a:t>
-            </a:r>
-            <a:endParaRPr lang="en-US" altLang="ja-JP" sz="1200">
-              <a:solidFill>
-                <a:schemeClr val="bg1"/>
-              </a:solidFill>
-            </a:endParaRPr>
-          </a:p>
-          <a:p>
-            <a:endParaRPr lang="en-US" altLang="ja-JP" sz="1200" smtClean="0">
-              <a:solidFill>
-                <a:schemeClr val="bg1"/>
-              </a:solidFill>
-            </a:endParaRPr>
-          </a:p>
-          <a:p>
-            <a:r>
-              <a:rPr lang="en-US" altLang="ja-JP" sz="1200" smtClean="0">
-                <a:solidFill>
-                  <a:schemeClr val="bg1"/>
-                </a:solidFill>
-              </a:rPr>
-              <a:t>[</a:t>
-            </a:r>
-            <a:r>
-              <a:rPr lang="en-US" altLang="ja-JP" sz="1200">
-                <a:solidFill>
-                  <a:schemeClr val="bg1"/>
-                </a:solidFill>
-              </a:rPr>
-              <a:t>INFO]</a:t>
-            </a:r>
-          </a:p>
-          <a:p>
-            <a:r>
-              <a:rPr lang="en-US" altLang="ja-JP" sz="1200">
-                <a:solidFill>
-                  <a:schemeClr val="bg1"/>
-                </a:solidFill>
-              </a:rPr>
-              <a:t>[INFO] --- maven-jar-plugin:2.3.2:jar (default-jar) @ xlsbeans ---</a:t>
-            </a:r>
-          </a:p>
-          <a:p>
-            <a:r>
-              <a:rPr lang="en-US" altLang="ja-JP" sz="1200">
-                <a:solidFill>
-                  <a:schemeClr val="bg1"/>
-                </a:solidFill>
-              </a:rPr>
-              <a:t>[INFO] Building jar: c:\home\tmp\xlsbeans\target\xlsbeans-1.0-SNAPSHOT.jar</a:t>
-            </a:r>
-          </a:p>
-          <a:p>
-            <a:r>
-              <a:rPr lang="en-US" altLang="ja-JP" sz="1200">
-                <a:solidFill>
-                  <a:schemeClr val="bg1"/>
-                </a:solidFill>
-              </a:rPr>
-              <a:t>[INFO] ------------------------------------------------------------------------</a:t>
-            </a:r>
-          </a:p>
-          <a:p>
-            <a:r>
-              <a:rPr lang="en-US" altLang="ja-JP" sz="1200">
-                <a:solidFill>
-                  <a:schemeClr val="bg1"/>
-                </a:solidFill>
-              </a:rPr>
-              <a:t>[INFO] BUILD SUCCESS</a:t>
-            </a:r>
-          </a:p>
-          <a:p>
-            <a:r>
-              <a:rPr lang="en-US" altLang="ja-JP" sz="1200">
-                <a:solidFill>
-                  <a:schemeClr val="bg1"/>
-                </a:solidFill>
-              </a:rPr>
-              <a:t>[INFO] ------------------------------------------------------------------------</a:t>
-            </a:r>
-          </a:p>
-          <a:p>
-            <a:r>
-              <a:rPr lang="en-US" altLang="ja-JP" sz="1200">
-                <a:solidFill>
-                  <a:schemeClr val="bg1"/>
-                </a:solidFill>
-              </a:rPr>
-              <a:t>[INFO] Total time: 13.370s</a:t>
-            </a:r>
-          </a:p>
-          <a:p>
-            <a:r>
-              <a:rPr lang="en-US" altLang="ja-JP" sz="1200">
-                <a:solidFill>
-                  <a:schemeClr val="bg1"/>
-                </a:solidFill>
-              </a:rPr>
-              <a:t>[INFO] Finished at: Wed Jul 16 10:52:18 JST 2014</a:t>
-            </a:r>
-          </a:p>
-          <a:p>
-            <a:r>
-              <a:rPr lang="en-US" altLang="ja-JP" sz="1200">
-                <a:solidFill>
-                  <a:schemeClr val="bg1"/>
-                </a:solidFill>
-              </a:rPr>
-              <a:t>[INFO] Final Memory: 7M/17M</a:t>
-            </a:r>
-          </a:p>
-          <a:p>
-            <a:r>
-              <a:rPr lang="en-US" altLang="ja-JP" sz="1200">
-                <a:solidFill>
-                  <a:schemeClr val="bg1"/>
-                </a:solidFill>
-              </a:rPr>
-              <a:t>[INFO] ------------------------------------------------------------------------</a:t>
-            </a:r>
-          </a:p>
-          <a:p>
-            <a:endParaRPr kumimoji="1" lang="ja-JP" altLang="en-US" sz="1200"/>
+              <a:rPr lang="en-US" altLang="ja-JP" sz="1400"/>
+              <a:t>}</a:t>
+            </a:r>
+          </a:p>
+          <a:p>
+            <a:endParaRPr kumimoji="1" lang="ja-JP" altLang="en-US"/>
           </a:p>
         </p:txBody>
       </p:sp>
     </p:spTree>
     <p:extLst>
       <p:ext uri="{BB962C8B-B14F-4D97-AF65-F5344CB8AC3E}">
-        <p14:creationId xmlns:p14="http://schemas.microsoft.com/office/powerpoint/2010/main" val="2438444142"/>
+        <p14:creationId xmlns:p14="http://schemas.microsoft.com/office/powerpoint/2010/main" val="1991409182"/>
       </p:ext>
     </p:extLst>
   </p:cSld>
@@ -4262,8 +4228,12 @@
           <a:lstStyle/>
           <a:p>
             <a:r>
-              <a:rPr lang="ja-JP" altLang="en-US" smtClean="0"/>
-              <a:t>依存ライブラリの追加</a:t>
+              <a:rPr kumimoji="1" lang="en-US" altLang="ja-JP" smtClean="0"/>
+              <a:t>ServiceSupport</a:t>
+            </a:r>
+            <a:r>
+              <a:rPr kumimoji="1" lang="ja-JP" altLang="en-US" smtClean="0"/>
+              <a:t>クラス</a:t>
             </a:r>
             <a:endParaRPr kumimoji="1" lang="ja-JP" altLang="en-US"/>
           </a:p>
@@ -4285,20 +4255,15 @@
           <a:lstStyle/>
           <a:p>
             <a:r>
-              <a:rPr kumimoji="1" lang="en-US" altLang="ja-JP" smtClean="0"/>
-              <a:t>XLSBeans</a:t>
-            </a:r>
-            <a:r>
               <a:rPr kumimoji="1" lang="ja-JP" altLang="en-US" smtClean="0"/>
-              <a:t>を使用できるように</a:t>
-            </a:r>
-            <a:r>
-              <a:rPr lang="en-US" altLang="ja-JP" smtClean="0"/>
-              <a:t>pom.xml</a:t>
-            </a:r>
-            <a:r>
-              <a:rPr lang="ja-JP" altLang="en-US" smtClean="0"/>
-              <a:t>を修正</a:t>
+              <a:t>コンポーネントのライフサイクルを制御するクラス</a:t>
+            </a:r>
+            <a:endParaRPr kumimoji="1" lang="en-US" altLang="ja-JP" smtClean="0"/>
+          </a:p>
+          <a:p>
+            <a:r>
+              <a:rPr lang="ja-JP" altLang="en-US" smtClean="0"/>
+              <a:t>インスタンスの生成など、初期処理、終了処理が必要な場合は、このクラスを継承する</a:t>
             </a:r>
             <a:endParaRPr kumimoji="1" lang="ja-JP" altLang="en-US"/>
           </a:p>
@@ -4312,8 +4277,8 @@
         </p:nvSpPr>
         <p:spPr>
           <a:xfrm>
-            <a:off x="562448" y="2420888"/>
-            <a:ext cx="7416824" cy="3754874"/>
+            <a:off x="395536" y="3137480"/>
+            <a:ext cx="7920880" cy="2523768"/>
           </a:xfrm>
           <a:prstGeom prst="rect">
             <a:avLst/>
@@ -4331,137 +4296,128 @@
           <a:p>
             <a:r>
               <a:rPr lang="en-US" altLang="ja-JP" sz="1400"/>
-              <a:t> &lt;dependencies&gt;</a:t>
-            </a:r>
-          </a:p>
-          <a:p>
+              <a:t>package org.apache.camel.support</a:t>
+            </a:r>
             <a:r>
               <a:rPr lang="en-US" altLang="ja-JP" sz="1400" smtClean="0"/>
-              <a:t>(snip)</a:t>
-            </a:r>
-          </a:p>
-          <a:p>
-            <a:r>
-              <a:rPr lang="en-US" altLang="ja-JP" sz="1400" b="1" smtClean="0"/>
-              <a:t>        </a:t>
-            </a:r>
-            <a:r>
-              <a:rPr lang="en-US" altLang="ja-JP" sz="1400" b="1"/>
-              <a:t>&lt;dependency&gt;</a:t>
-            </a:r>
-          </a:p>
-          <a:p>
-            <a:r>
-              <a:rPr lang="en-US" altLang="ja-JP" sz="1400" b="1"/>
-              <a:t>            &lt;groupId&gt;jp.sf.amateras.xlsbeans&lt;/groupId&gt;</a:t>
-            </a:r>
-          </a:p>
-          <a:p>
-            <a:r>
-              <a:rPr lang="en-US" altLang="ja-JP" sz="1400" b="1"/>
-              <a:t>            &lt;artifactId&gt;xlsbeans&lt;/artifactId&gt;</a:t>
-            </a:r>
-          </a:p>
-          <a:p>
-            <a:r>
-              <a:rPr lang="en-US" altLang="ja-JP" sz="1400" b="1"/>
-              <a:t>            &lt;</a:t>
-            </a:r>
-            <a:r>
-              <a:rPr lang="en-US" altLang="ja-JP" sz="1400" b="1" smtClean="0"/>
-              <a:t>version&gt;1.2.5&lt;/</a:t>
-            </a:r>
-            <a:r>
-              <a:rPr lang="en-US" altLang="ja-JP" sz="1400" b="1"/>
-              <a:t>version&gt;</a:t>
-            </a:r>
-          </a:p>
-          <a:p>
-            <a:r>
-              <a:rPr lang="en-US" altLang="ja-JP" sz="1400" b="1"/>
-              <a:t>        &lt;/dependency</a:t>
-            </a:r>
-            <a:r>
-              <a:rPr lang="en-US" altLang="ja-JP" sz="1400" b="1" smtClean="0"/>
-              <a:t>&gt;</a:t>
-            </a:r>
-          </a:p>
-          <a:p>
+              <a:t>;</a:t>
+            </a:r>
+          </a:p>
+          <a:p>
+            <a:endParaRPr lang="en-US" altLang="ja-JP" sz="1400" smtClean="0"/>
+          </a:p>
+          <a:p>
+            <a:r>
+              <a:rPr lang="en-US" altLang="ja-JP" sz="1400"/>
+              <a:t>public abstract class ServiceSupport implements StatefulService {</a:t>
+            </a:r>
+          </a:p>
+          <a:p>
+            <a:endParaRPr lang="en-US" altLang="ja-JP" sz="1400" smtClean="0"/>
+          </a:p>
+          <a:p>
+            <a:r>
+              <a:rPr lang="en-US" altLang="ja-JP" sz="1400"/>
+              <a:t> </a:t>
+            </a:r>
             <a:r>
               <a:rPr lang="en-US" altLang="ja-JP" sz="1400" smtClean="0"/>
-              <a:t>(snip)</a:t>
+              <a:t>    </a:t>
+            </a:r>
+            <a:r>
+              <a:rPr lang="en-US" altLang="ja-JP" sz="1400"/>
+              <a:t>//  </a:t>
+            </a:r>
+            <a:r>
+              <a:rPr lang="ja-JP" altLang="en-US" sz="1400" smtClean="0"/>
+              <a:t>初期処理</a:t>
+            </a:r>
+            <a:endParaRPr lang="en-US" altLang="ja-JP" sz="1400" smtClean="0"/>
+          </a:p>
+          <a:p>
+            <a:r>
+              <a:rPr lang="en-US" altLang="ja-JP" sz="1400" b="1" smtClean="0">
+                <a:solidFill>
+                  <a:srgbClr val="FF0000"/>
+                </a:solidFill>
+              </a:rPr>
+              <a:t>     protected </a:t>
+            </a:r>
+            <a:r>
+              <a:rPr lang="en-US" altLang="ja-JP" sz="1400" b="1">
+                <a:solidFill>
+                  <a:srgbClr val="FF0000"/>
+                </a:solidFill>
+              </a:rPr>
+              <a:t>abstract void doStart() throws Exception;</a:t>
             </a:r>
           </a:p>
           <a:p>
             <a:r>
               <a:rPr lang="en-US" altLang="ja-JP" sz="1400" smtClean="0"/>
-              <a:t> &lt;/dependencies&gt;</a:t>
-            </a:r>
-          </a:p>
-          <a:p>
-            <a:endParaRPr lang="en-US" altLang="ja-JP" sz="1400" b="1"/>
-          </a:p>
-          <a:p>
-            <a:r>
-              <a:rPr lang="en-US" altLang="ja-JP" sz="1400" b="1"/>
-              <a:t> &lt;repositories&gt;</a:t>
-            </a:r>
-          </a:p>
-          <a:p>
-            <a:r>
-              <a:rPr lang="en-US" altLang="ja-JP" sz="1400" b="1"/>
-              <a:t>        &lt;repository&gt;</a:t>
-            </a:r>
-          </a:p>
-          <a:p>
-            <a:r>
-              <a:rPr lang="en-US" altLang="ja-JP" sz="1400" b="1"/>
-              <a:t>            &lt;id&gt;amateras&lt;/id&gt;</a:t>
-            </a:r>
-          </a:p>
-          <a:p>
-            <a:r>
-              <a:rPr lang="en-US" altLang="ja-JP" sz="1400" b="1"/>
-              <a:t>            &lt;name&gt;Project Amateras Maven2 Repository&lt;/name&gt;</a:t>
-            </a:r>
-          </a:p>
-          <a:p>
-            <a:r>
-              <a:rPr lang="en-US" altLang="ja-JP" sz="1400" b="1"/>
-              <a:t>            &lt;url&gt;http://amateras.sourceforge.jp/mvn/&lt;/url&gt;</a:t>
-            </a:r>
-          </a:p>
-          <a:p>
-            <a:r>
-              <a:rPr lang="en-US" altLang="ja-JP" sz="1400" b="1"/>
-              <a:t>        &lt;/repository&gt;</a:t>
-            </a:r>
-          </a:p>
-          <a:p>
-            <a:r>
-              <a:rPr lang="en-US" altLang="ja-JP" sz="1400" b="1"/>
-              <a:t>   </a:t>
-            </a:r>
-            <a:r>
-              <a:rPr lang="en-US" altLang="ja-JP" sz="1400" b="1" smtClean="0"/>
-              <a:t>&lt;/</a:t>
-            </a:r>
-            <a:r>
-              <a:rPr lang="en-US" altLang="ja-JP" sz="1400" b="1"/>
-              <a:t>repositories</a:t>
-            </a:r>
-            <a:r>
-              <a:rPr lang="en-US" altLang="ja-JP" sz="1400" b="1" smtClean="0"/>
-              <a:t>&gt;</a:t>
-            </a:r>
-            <a:endParaRPr lang="en-US" altLang="ja-JP" sz="1400" b="1"/>
+              <a:t>    </a:t>
+            </a:r>
+          </a:p>
+          <a:p>
+            <a:r>
+              <a:rPr lang="en-US" altLang="ja-JP" sz="1400"/>
+              <a:t> </a:t>
+            </a:r>
+            <a:r>
+              <a:rPr lang="en-US" altLang="ja-JP" sz="1400" smtClean="0"/>
+              <a:t>    </a:t>
+            </a:r>
+            <a:r>
+              <a:rPr lang="en-US" altLang="ja-JP" sz="1400"/>
+              <a:t>//  </a:t>
+            </a:r>
+            <a:r>
+              <a:rPr lang="ja-JP" altLang="en-US" sz="1400"/>
+              <a:t>終了</a:t>
+            </a:r>
+            <a:r>
+              <a:rPr lang="ja-JP" altLang="en-US" sz="1400" smtClean="0"/>
+              <a:t>処理</a:t>
+            </a:r>
+            <a:endParaRPr lang="en-US" altLang="ja-JP" sz="1400" b="1">
+              <a:solidFill>
+                <a:srgbClr val="FF0000"/>
+              </a:solidFill>
+            </a:endParaRPr>
+          </a:p>
+          <a:p>
+            <a:r>
+              <a:rPr lang="en-US" altLang="ja-JP" sz="1400" b="1" smtClean="0">
+                <a:solidFill>
+                  <a:srgbClr val="FF0000"/>
+                </a:solidFill>
+              </a:rPr>
+              <a:t>     protected </a:t>
+            </a:r>
+            <a:r>
+              <a:rPr lang="en-US" altLang="ja-JP" sz="1400" b="1">
+                <a:solidFill>
+                  <a:srgbClr val="FF0000"/>
+                </a:solidFill>
+              </a:rPr>
+              <a:t>abstract void doStop() throws Exception;</a:t>
+            </a:r>
+          </a:p>
+          <a:p>
+            <a:r>
+              <a:rPr lang="en-US" altLang="ja-JP" sz="1400"/>
+              <a:t>}</a:t>
+            </a:r>
+          </a:p>
+          <a:p>
+            <a:endParaRPr kumimoji="1" lang="ja-JP" altLang="en-US"/>
           </a:p>
         </p:txBody>
       </p:sp>
     </p:spTree>
     <p:extLst>
       <p:ext uri="{BB962C8B-B14F-4D97-AF65-F5344CB8AC3E}">
-        <p14:creationId xmlns:p14="http://schemas.microsoft.com/office/powerpoint/2010/main" val="672631742"/>
+        <p14:creationId xmlns:p14="http://schemas.microsoft.com/office/powerpoint/2010/main" val="3519042411"/>
       </p:ext>
     </p:extLst>
   </p:cSld>
@@ -4511,10 +4467,14 @@
           <a:lstStyle/>
           <a:p>
             <a:r>
-              <a:rPr lang="ja-JP" altLang="en-US"/>
-              <a:t>仕様</a:t>
-            </a:r>
-            <a:endParaRPr kumimoji="1" lang="ja-JP" altLang="en-US"/>
+              <a:rPr kumimoji="1" lang="en-US" altLang="ja-JP" sz="3200" smtClean="0"/>
+              <a:t>CamelContextAware</a:t>
+            </a:r>
+            <a:r>
+              <a:rPr kumimoji="1" lang="ja-JP" altLang="en-US" sz="3200" smtClean="0"/>
+              <a:t>インタフェース</a:t>
+            </a:r>
+            <a:endParaRPr kumimoji="1" lang="ja-JP" altLang="en-US" sz="3200"/>
           </a:p>
         </p:txBody>
       </p:sp>
@@ -4534,90 +4494,46 @@
           <a:lstStyle/>
           <a:p>
             <a:r>
+              <a:rPr kumimoji="1" lang="en-US" altLang="ja-JP" smtClean="0"/>
+              <a:t>CamelContext</a:t>
+            </a:r>
+            <a:r>
+              <a:rPr lang="ja-JP" altLang="en-US" smtClean="0"/>
+              <a:t>が必要な場合に実装</a:t>
+            </a:r>
+            <a:endParaRPr lang="en-US" altLang="ja-JP" smtClean="0"/>
+          </a:p>
+          <a:p>
+            <a:r>
+              <a:rPr kumimoji="1" lang="en-US" altLang="ja-JP" smtClean="0"/>
+              <a:t>Camel</a:t>
+            </a:r>
+            <a:r>
               <a:rPr kumimoji="1" lang="ja-JP" altLang="en-US" smtClean="0"/>
-              <a:t>変換対象となる</a:t>
+              <a:t>本体が</a:t>
             </a:r>
             <a:r>
               <a:rPr kumimoji="1" lang="en-US" altLang="ja-JP" smtClean="0"/>
-              <a:t>Excel</a:t>
+              <a:t>CamelContext</a:t>
             </a:r>
             <a:r>
               <a:rPr kumimoji="1" lang="ja-JP" altLang="en-US" smtClean="0"/>
-              <a:t>ファイルは、</a:t>
-            </a:r>
-            <a:r>
-              <a:rPr kumimoji="1" lang="en-US" altLang="ja-JP" smtClean="0"/>
-              <a:t>File</a:t>
+              <a:t>を</a:t>
             </a:r>
             <a:r>
               <a:rPr kumimoji="1" lang="ja-JP" altLang="en-US" smtClean="0"/>
-              <a:t>コンシューマーなどで取得し、</a:t>
-            </a:r>
-            <a:r>
-              <a:rPr kumimoji="1" lang="en-US" altLang="ja-JP" smtClean="0"/>
-              <a:t>Exchange</a:t>
-            </a:r>
-            <a:r>
-              <a:rPr kumimoji="1" lang="ja-JP" altLang="en-US" smtClean="0"/>
-              <a:t>の</a:t>
-            </a:r>
-            <a:r>
-              <a:rPr kumimoji="1" lang="en-US" altLang="ja-JP" smtClean="0"/>
-              <a:t>BODY</a:t>
-            </a:r>
-            <a:r>
-              <a:rPr kumimoji="1" lang="ja-JP" altLang="en-US" smtClean="0"/>
-              <a:t>に設定</a:t>
+              <a:t>インジェクト</a:t>
             </a:r>
             <a:endParaRPr kumimoji="1" lang="en-US" altLang="ja-JP" smtClean="0"/>
           </a:p>
           <a:p>
             <a:r>
-              <a:rPr lang="en-US" altLang="ja-JP" smtClean="0"/>
-              <a:t>Spring XML</a:t>
-            </a:r>
-            <a:r>
-              <a:rPr lang="ja-JP" altLang="en-US" smtClean="0"/>
-              <a:t>で、</a:t>
-            </a:r>
-            <a:r>
-              <a:rPr lang="en-US" altLang="ja-JP" smtClean="0"/>
-              <a:t>Excel</a:t>
-            </a:r>
-            <a:r>
-              <a:rPr lang="ja-JP" altLang="en-US" smtClean="0"/>
-              <a:t>ファイルから変換する</a:t>
-            </a:r>
-            <a:r>
-              <a:rPr lang="en-US" altLang="ja-JP" smtClean="0"/>
-              <a:t>JavaBeans</a:t>
-            </a:r>
-            <a:r>
-              <a:rPr lang="ja-JP" altLang="en-US" smtClean="0"/>
-              <a:t>の完全修飾名</a:t>
-            </a:r>
-            <a:r>
-              <a:rPr lang="en-US" altLang="ja-JP" smtClean="0"/>
-              <a:t>(objectType)</a:t>
-            </a:r>
-            <a:r>
               <a:rPr lang="ja-JP" altLang="en-US"/>
-              <a:t>を</a:t>
-            </a:r>
-            <a:r>
-              <a:rPr lang="ja-JP" altLang="en-US" smtClean="0"/>
-              <a:t>指定</a:t>
-            </a:r>
-            <a:endParaRPr lang="en-US" altLang="ja-JP" smtClean="0"/>
-          </a:p>
-          <a:p>
-            <a:r>
-              <a:rPr kumimoji="1" lang="en-US" altLang="ja-JP" smtClean="0"/>
-              <a:t>XLSX</a:t>
-            </a:r>
-            <a:r>
-              <a:rPr kumimoji="1" lang="ja-JP" altLang="en-US" smtClean="0"/>
-              <a:t>形式のみサポート</a:t>
+              <a:t>今回</a:t>
+            </a:r>
+            <a:r>
+              <a:rPr lang="ja-JP" altLang="en-US" smtClean="0"/>
+              <a:t>は使用しない</a:t>
             </a:r>
             <a:endParaRPr kumimoji="1" lang="ja-JP" altLang="en-US"/>
           </a:p>
@@ -4631,8 +4547,8 @@
         </p:nvSpPr>
         <p:spPr>
           <a:xfrm>
-            <a:off x="539552" y="3560817"/>
-            <a:ext cx="7416824" cy="3108543"/>
+            <a:off x="395536" y="3137480"/>
+            <a:ext cx="7920880" cy="2462213"/>
           </a:xfrm>
           <a:prstGeom prst="rect">
             <a:avLst/>
@@ -4650,147 +4566,118 @@
           <a:p>
             <a:r>
               <a:rPr lang="en-US" altLang="ja-JP" sz="1400"/>
-              <a:t> &lt;camelContext xmlns="http://camel.apache.org/schema/spring"&gt;</a:t>
-            </a:r>
-          </a:p>
-          <a:p>
+              <a:t>package org.apache.camel</a:t>
+            </a:r>
             <a:r>
               <a:rPr lang="en-US" altLang="ja-JP" sz="1400" smtClean="0"/>
-              <a:t>      &lt;</a:t>
-            </a:r>
-            <a:r>
-              <a:rPr lang="en-US" altLang="ja-JP" sz="1400"/>
-              <a:t>route&gt;</a:t>
-            </a:r>
-          </a:p>
-          <a:p>
-            <a:r>
-              <a:rPr lang="en-US" altLang="ja-JP" sz="1400"/>
-              <a:t>            &lt;from uri="direct:unmarshal"/&gt;</a:t>
-            </a:r>
-          </a:p>
-          <a:p>
-            <a:r>
-              <a:rPr lang="en-US" altLang="ja-JP" sz="1400" b="1"/>
-              <a:t>            &lt;unmarshal&gt;</a:t>
-            </a:r>
-          </a:p>
-          <a:p>
-            <a:r>
-              <a:rPr lang="en-US" altLang="ja-JP" sz="1400" b="1"/>
-              <a:t>                &lt;custom ref="xlsBeansDataFormat" /&gt;</a:t>
-            </a:r>
-          </a:p>
-          <a:p>
-            <a:r>
-              <a:rPr lang="en-US" altLang="ja-JP" sz="1400" b="1"/>
-              <a:t>            &lt;/unmarshal&gt;</a:t>
-            </a:r>
-          </a:p>
-          <a:p>
-            <a:r>
-              <a:rPr lang="en-US" altLang="ja-JP" sz="1400"/>
-              <a:t>            &lt;to uri="mock:unmarshal" /&gt;</a:t>
-            </a:r>
-          </a:p>
-          <a:p>
-            <a:r>
-              <a:rPr lang="en-US" altLang="ja-JP" sz="1400"/>
-              <a:t>        &lt;/route&gt;</a:t>
-            </a:r>
-          </a:p>
-          <a:p>
+              <a:t>;</a:t>
+            </a:r>
+          </a:p>
+          <a:p>
+            <a:endParaRPr lang="en-US" altLang="ja-JP" sz="1400" smtClean="0"/>
+          </a:p>
+          <a:p>
+            <a:r>
+              <a:rPr lang="en-US" altLang="ja-JP" sz="1400"/>
+              <a:t>public interface CamelContextAware {</a:t>
+            </a:r>
+          </a:p>
+          <a:p>
+            <a:endParaRPr lang="en-US" altLang="ja-JP" sz="1400" smtClean="0"/>
+          </a:p>
+          <a:p>
+            <a:r>
+              <a:rPr lang="en-US" altLang="ja-JP" sz="1400"/>
+              <a:t> </a:t>
+            </a:r>
             <a:r>
               <a:rPr lang="en-US" altLang="ja-JP" sz="1400" smtClean="0"/>
-              <a:t>  &lt;/</a:t>
-            </a:r>
-            <a:r>
-              <a:rPr lang="en-US" altLang="ja-JP" sz="1400"/>
-              <a:t>camelContext&gt;</a:t>
-            </a:r>
-          </a:p>
-          <a:p>
-            <a:r>
-              <a:rPr lang="en-US" altLang="ja-JP" sz="1400"/>
-              <a:t> </a:t>
-            </a:r>
-          </a:p>
-          <a:p>
-            <a:r>
-              <a:rPr lang="en-US" altLang="ja-JP" sz="1400" b="1"/>
-              <a:t>  </a:t>
-            </a:r>
-            <a:r>
-              <a:rPr lang="en-US" altLang="ja-JP" sz="1400" b="1" smtClean="0"/>
-              <a:t>&lt;</a:t>
-            </a:r>
-            <a:r>
-              <a:rPr lang="en-US" altLang="ja-JP" sz="1400" b="1"/>
-              <a:t>bean id="xlsBeansDataFormat" </a:t>
-            </a:r>
-            <a:endParaRPr lang="en-US" altLang="ja-JP" sz="1400" b="1" smtClean="0"/>
-          </a:p>
-          <a:p>
-            <a:r>
-              <a:rPr lang="en-US" altLang="ja-JP" sz="1400" b="1"/>
-              <a:t> </a:t>
-            </a:r>
-            <a:r>
-              <a:rPr lang="en-US" altLang="ja-JP" sz="1400" b="1" smtClean="0"/>
-              <a:t>              class=“jp.co.nttcom.eai.component.xlsbeans.XLSBeansDataFormat</a:t>
-            </a:r>
-            <a:r>
-              <a:rPr lang="en-US" altLang="ja-JP" sz="1400" b="1"/>
-              <a:t>" &gt;</a:t>
-            </a:r>
-          </a:p>
-          <a:p>
-            <a:r>
-              <a:rPr lang="en-US" altLang="ja-JP" sz="1400" b="1"/>
-              <a:t>     </a:t>
-            </a:r>
-            <a:r>
-              <a:rPr lang="en-US" altLang="ja-JP" sz="1400" b="1" smtClean="0"/>
-              <a:t>&lt;</a:t>
-            </a:r>
-            <a:r>
-              <a:rPr lang="en-US" altLang="ja-JP" sz="1400" b="1"/>
-              <a:t>property name="objectType" value</a:t>
-            </a:r>
-            <a:r>
-              <a:rPr lang="en-US" altLang="ja-JP" sz="1400" b="1" smtClean="0"/>
-              <a:t>="jp.co.nttcom.eai.model.UserList</a:t>
-            </a:r>
-            <a:r>
-              <a:rPr lang="en-US" altLang="ja-JP" sz="1400" b="1"/>
-              <a:t>" /&gt;</a:t>
-            </a:r>
-          </a:p>
-          <a:p>
-            <a:r>
-              <a:rPr lang="en-US" altLang="ja-JP" sz="1400" b="1" smtClean="0"/>
-              <a:t>  &lt;/</a:t>
-            </a:r>
-            <a:r>
-              <a:rPr lang="en-US" altLang="ja-JP" sz="1400" b="1"/>
-              <a:t>bean</a:t>
-            </a:r>
-            <a:r>
-              <a:rPr lang="en-US" altLang="ja-JP" sz="1400" b="1" smtClean="0"/>
-              <a:t>&gt;</a:t>
-            </a:r>
+              <a:t>   </a:t>
+            </a:r>
+            <a:r>
+              <a:rPr lang="en-US" altLang="ja-JP" sz="1400"/>
+              <a:t>//  </a:t>
+            </a:r>
+            <a:r>
+              <a:rPr lang="en-US" altLang="ja-JP" sz="1400" smtClean="0"/>
+              <a:t>CamelContext</a:t>
+            </a:r>
+            <a:r>
+              <a:rPr lang="ja-JP" altLang="en-US" sz="1400"/>
+              <a:t>の</a:t>
+            </a:r>
+            <a:r>
+              <a:rPr lang="ja-JP" altLang="en-US" sz="1400" smtClean="0"/>
+              <a:t>設定</a:t>
+            </a:r>
+            <a:endParaRPr lang="en-US" altLang="ja-JP" sz="1400"/>
+          </a:p>
+          <a:p>
             <a:r>
               <a:rPr lang="en-US" altLang="ja-JP" sz="1400" smtClean="0"/>
               <a:t>    </a:t>
             </a:r>
+            <a:r>
+              <a:rPr lang="en-US" altLang="ja-JP" sz="1400" b="1" smtClean="0">
+                <a:solidFill>
+                  <a:srgbClr val="FF0000"/>
+                </a:solidFill>
+              </a:rPr>
+              <a:t>void </a:t>
+            </a:r>
+            <a:r>
+              <a:rPr lang="en-US" altLang="ja-JP" sz="1400" b="1">
+                <a:solidFill>
+                  <a:srgbClr val="FF0000"/>
+                </a:solidFill>
+              </a:rPr>
+              <a:t>setCamelContext(CamelContext camelContext);</a:t>
+            </a:r>
+          </a:p>
+          <a:p>
+            <a:endParaRPr lang="en-US" altLang="ja-JP" sz="1400" smtClean="0"/>
+          </a:p>
+          <a:p>
+            <a:r>
+              <a:rPr lang="en-US" altLang="ja-JP" sz="1400" smtClean="0"/>
+              <a:t>    //  CamelContext</a:t>
+            </a:r>
+            <a:r>
+              <a:rPr lang="ja-JP" altLang="en-US" sz="1400" smtClean="0"/>
+              <a:t>の取得</a:t>
+            </a:r>
             <a:endParaRPr lang="en-US" altLang="ja-JP" sz="1400"/>
+          </a:p>
+          <a:p>
+            <a:r>
+              <a:rPr lang="en-US" altLang="ja-JP" sz="1400" b="1" smtClean="0">
+                <a:solidFill>
+                  <a:srgbClr val="FF0000"/>
+                </a:solidFill>
+              </a:rPr>
+              <a:t>    CamelContext getCamelContext();</a:t>
+            </a:r>
+          </a:p>
+          <a:p>
+            <a:r>
+              <a:rPr lang="en-US" altLang="ja-JP" sz="1400" smtClean="0"/>
+              <a:t>    </a:t>
+            </a:r>
+            <a:endParaRPr lang="en-US" altLang="ja-JP" sz="1400"/>
+          </a:p>
+          <a:p>
+            <a:r>
+              <a:rPr lang="en-US" altLang="ja-JP" sz="1400"/>
+              <a:t>}</a:t>
+            </a:r>
+            <a:endParaRPr kumimoji="1" lang="ja-JP" altLang="en-US"/>
           </a:p>
         </p:txBody>
       </p:sp>
     </p:spTree>
     <p:extLst>
       <p:ext uri="{BB962C8B-B14F-4D97-AF65-F5344CB8AC3E}">
-        <p14:creationId xmlns:p14="http://schemas.microsoft.com/office/powerpoint/2010/main" val="572192002"/>
+        <p14:creationId xmlns:p14="http://schemas.microsoft.com/office/powerpoint/2010/main" val="1827038324"/>
       </p:ext>
     </p:extLst>
   </p:cSld>
@@ -4890,7 +4777,23 @@
           <a:p>
             <a:r>
               <a:rPr lang="en-US" altLang="ja-JP" sz="1400"/>
-              <a:t> public class XLSBeansDataFormat extends ServiceSupport implements DataFormat {</a:t>
+              <a:t> public class XLSBeansDataFormat extends </a:t>
+            </a:r>
+            <a:r>
+              <a:rPr lang="en-US" altLang="ja-JP" sz="1400" b="1"/>
+              <a:t>ServiceSupport </a:t>
+            </a:r>
+            <a:r>
+              <a:rPr lang="en-US" altLang="ja-JP" sz="1400" smtClean="0"/>
+              <a:t>implements </a:t>
+            </a:r>
+            <a:r>
+              <a:rPr lang="en-US" altLang="ja-JP" sz="1400" b="1"/>
+              <a:t>DataFormat</a:t>
+            </a:r>
+            <a:r>
+              <a:rPr lang="en-US" altLang="ja-JP" sz="1400"/>
+              <a:t> {</a:t>
             </a:r>
           </a:p>
           <a:p>
@@ -5054,11 +4957,13 @@
         <p:spPr>
           <a:xfrm>
             <a:off x="457200" y="1600200"/>
-            <a:ext cx="7620000" cy="4800600"/>
+            <a:ext cx="7620000" cy="964704"/>
           </a:xfrm>
         </p:spPr>
         <p:txBody>
-          <a:bodyPr/>
+          <a:bodyPr>
+            <a:normAutofit/>
+          </a:bodyPr>
           <a:lstStyle/>
           <a:p>
             <a:r>
@@ -5473,22 +5378,14 @@
             </a:r>
             <a:r>
               <a:rPr lang="ja-JP" altLang="en-US" smtClean="0"/>
-              <a:t>テストをサポートするライブラリを</a:t>
-            </a:r>
-            <a:r>
-              <a:rPr lang="ja-JP" altLang="en-US" smtClean="0"/>
-              <a:t>提供</a:t>
+              <a:t>テストをサポートするライブラリを提供</a:t>
             </a:r>
             <a:endParaRPr lang="en-US" altLang="ja-JP" smtClean="0"/>
           </a:p>
           <a:p>
             <a:r>
               <a:rPr kumimoji="1" lang="en-US" altLang="ja-JP" smtClean="0"/>
-              <a:t>Spring </a:t>
-            </a:r>
-            <a:r>
-              <a:rPr kumimoji="1" lang="en-US" altLang="ja-JP" smtClean="0"/>
-              <a:t>XML</a:t>
+              <a:t>Spring XML</a:t>
             </a:r>
             <a:r>
               <a:rPr kumimoji="1" lang="ja-JP" altLang="en-US" smtClean="0"/>
@@ -9959,12 +9856,8 @@
           <a:lstStyle/>
           <a:p>
             <a:r>
-              <a:rPr lang="en-US" altLang="ja-JP" smtClean="0"/>
-              <a:t>DataFormat</a:t>
-            </a:r>
-            <a:r>
-              <a:rPr lang="ja-JP" altLang="en-US" smtClean="0"/>
-              <a:t>インタフェース</a:t>
+              <a:rPr lang="ja-JP" altLang="en-US"/>
+              <a:t>仕様</a:t>
             </a:r>
             <a:endParaRPr kumimoji="1" lang="ja-JP" altLang="en-US"/>
           </a:p>
@@ -9986,34 +9879,91 @@
           <a:lstStyle/>
           <a:p>
             <a:r>
+              <a:rPr kumimoji="1" lang="ja-JP" altLang="en-US" smtClean="0"/>
+              <a:t>変換対象となる</a:t>
+            </a:r>
+            <a:r>
               <a:rPr kumimoji="1" lang="en-US" altLang="ja-JP" smtClean="0"/>
               <a:t>Excel</a:t>
             </a:r>
             <a:r>
               <a:rPr kumimoji="1" lang="ja-JP" altLang="en-US" smtClean="0"/>
-              <a:t>⇔</a:t>
+              <a:t>ファイルは、</a:t>
             </a:r>
             <a:r>
               <a:rPr kumimoji="1" lang="en-US" altLang="ja-JP" smtClean="0"/>
+              <a:t>File</a:t>
+            </a:r>
+            <a:r>
+              <a:rPr kumimoji="1" lang="ja-JP" altLang="en-US" smtClean="0"/>
+              <a:t>コンシューマーなどで取得し、</a:t>
+            </a:r>
+            <a:r>
+              <a:rPr kumimoji="1" lang="en-US" altLang="ja-JP" smtClean="0"/>
+              <a:t>Exchange</a:t>
+            </a:r>
+            <a:r>
+              <a:rPr kumimoji="1" lang="ja-JP" altLang="en-US" smtClean="0"/>
+              <a:t>の</a:t>
+            </a:r>
+            <a:r>
+              <a:rPr kumimoji="1" lang="en-US" altLang="ja-JP" smtClean="0"/>
+              <a:t>BODY</a:t>
+            </a:r>
+            <a:r>
+              <a:rPr kumimoji="1" lang="ja-JP" altLang="en-US" smtClean="0"/>
+              <a:t>に設定</a:t>
+            </a:r>
+            <a:endParaRPr kumimoji="1" lang="en-US" altLang="ja-JP" smtClean="0"/>
+          </a:p>
+          <a:p>
+            <a:r>
+              <a:rPr lang="en-US" altLang="ja-JP" smtClean="0"/>
+              <a:t>Spring XML</a:t>
+            </a:r>
+            <a:r>
+              <a:rPr lang="ja-JP" altLang="en-US" smtClean="0"/>
+              <a:t>で、</a:t>
+            </a:r>
+            <a:r>
+              <a:rPr lang="en-US" altLang="ja-JP" smtClean="0"/>
+              <a:t>Excel</a:t>
+            </a:r>
+            <a:r>
+              <a:rPr lang="ja-JP" altLang="en-US" smtClean="0"/>
+              <a:t>ファイルから変換する</a:t>
+            </a:r>
+            <a:r>
+              <a:rPr lang="en-US" altLang="ja-JP" smtClean="0"/>
               <a:t>JavaBeans</a:t>
             </a:r>
             <a:r>
+              <a:rPr lang="ja-JP" altLang="en-US" smtClean="0"/>
+              <a:t>の完全修飾名</a:t>
+            </a:r>
+            <a:r>
+              <a:rPr lang="en-US" altLang="ja-JP" smtClean="0"/>
+              <a:t>(objectType)</a:t>
+            </a:r>
+            <a:r>
+              <a:rPr lang="ja-JP" altLang="en-US"/>
+              <a:t>を</a:t>
+            </a:r>
+            <a:r>
+              <a:rPr lang="ja-JP" altLang="en-US" smtClean="0"/>
+              <a:t>指定</a:t>
+            </a:r>
+            <a:endParaRPr lang="en-US" altLang="ja-JP" smtClean="0"/>
+          </a:p>
+          <a:p>
+            <a:r>
+              <a:rPr kumimoji="1" lang="en-US" altLang="ja-JP" smtClean="0"/>
+              <a:t>XLSX</a:t>
+            </a:r>
+            <a:r>
               <a:rPr kumimoji="1" lang="ja-JP" altLang="en-US" smtClean="0"/>
-              <a:t>を行うメソッドを提供</a:t>
-            </a:r>
-            <a:endParaRPr kumimoji="1" lang="en-US" altLang="ja-JP" smtClean="0"/>
-          </a:p>
-          <a:p>
-            <a:r>
-              <a:rPr lang="ja-JP" altLang="en-US" smtClean="0"/>
-              <a:t>必須のインタフェース</a:t>
-            </a:r>
-            <a:endParaRPr kumimoji="1" lang="en-US" altLang="ja-JP" smtClean="0"/>
-          </a:p>
-          <a:p>
-            <a:pPr marL="114300" indent="0">
-              <a:buNone/>
-            </a:pPr>
+              <a:t>形式のみサポート</a:t>
+            </a:r>
             <a:endParaRPr kumimoji="1" lang="ja-JP" altLang="en-US"/>
           </a:p>
         </p:txBody>
@@ -10026,13 +9976,16 @@
         </p:nvSpPr>
         <p:spPr>
           <a:xfrm>
-            <a:off x="395536" y="2564904"/>
-            <a:ext cx="7920880" cy="3170099"/>
+            <a:off x="539552" y="3560817"/>
+            <a:ext cx="7416824" cy="3108543"/>
           </a:xfrm>
           <a:prstGeom prst="rect">
             <a:avLst/>
           </a:prstGeom>
           <a:noFill/>
+          <a:ln>
+            <a:noFill/>
+          </a:ln>
         </p:spPr>
         <p:txBody>
           <a:bodyPr wrap="square" rtlCol="0">
@@ -10042,178 +9995,147 @@
           <a:p>
             <a:r>
               <a:rPr lang="en-US" altLang="ja-JP" sz="1400"/>
-              <a:t>package org.apache.camel.spi</a:t>
-            </a:r>
+              <a:t> &lt;camelContext xmlns="http://camel.apache.org/schema/spring"&gt;</a:t>
+            </a:r>
+          </a:p>
+          <a:p>
             <a:r>
               <a:rPr lang="en-US" altLang="ja-JP" sz="1400" smtClean="0"/>
-              <a:t>;</a:t>
-            </a:r>
-          </a:p>
-          <a:p>
-            <a:endParaRPr lang="en-US" altLang="ja-JP" sz="1400" smtClean="0"/>
+              <a:t>      &lt;</a:t>
+            </a:r>
+            <a:r>
+              <a:rPr lang="en-US" altLang="ja-JP" sz="1400"/>
+              <a:t>route&gt;</a:t>
+            </a:r>
+          </a:p>
+          <a:p>
+            <a:r>
+              <a:rPr lang="en-US" altLang="ja-JP" sz="1400"/>
+              <a:t>            &lt;from uri="direct:unmarshal"/&gt;</a:t>
+            </a:r>
+          </a:p>
+          <a:p>
+            <a:r>
+              <a:rPr lang="en-US" altLang="ja-JP" sz="1400" b="1"/>
+              <a:t>            &lt;unmarshal&gt;</a:t>
+            </a:r>
+          </a:p>
+          <a:p>
+            <a:r>
+              <a:rPr lang="en-US" altLang="ja-JP" sz="1400" b="1"/>
+              <a:t>                &lt;custom ref="xlsBeansDataFormat" /&gt;</a:t>
+            </a:r>
+          </a:p>
+          <a:p>
+            <a:r>
+              <a:rPr lang="en-US" altLang="ja-JP" sz="1400" b="1"/>
+              <a:t>            &lt;/unmarshal&gt;</a:t>
+            </a:r>
+          </a:p>
+          <a:p>
+            <a:r>
+              <a:rPr lang="en-US" altLang="ja-JP" sz="1400"/>
+              <a:t>            &lt;to uri="mock:unmarshal" /&gt;</a:t>
+            </a:r>
+          </a:p>
+          <a:p>
+            <a:r>
+              <a:rPr lang="en-US" altLang="ja-JP" sz="1400"/>
+              <a:t>        &lt;/route&gt;</a:t>
+            </a:r>
           </a:p>
           <a:p>
             <a:r>
               <a:rPr lang="en-US" altLang="ja-JP" sz="1400" smtClean="0"/>
-              <a:t>public </a:t>
-            </a:r>
-            <a:r>
-              <a:rPr lang="en-US" altLang="ja-JP" sz="1400"/>
-              <a:t>interface DataFormat {</a:t>
-            </a:r>
-          </a:p>
-          <a:p>
-            <a:endParaRPr lang="en-US" altLang="ja-JP" sz="1400" smtClean="0"/>
+              <a:t>  &lt;/</a:t>
+            </a:r>
+            <a:r>
+              <a:rPr lang="en-US" altLang="ja-JP" sz="1400"/>
+              <a:t>camelContext&gt;</a:t>
+            </a:r>
           </a:p>
           <a:p>
             <a:r>
               <a:rPr lang="en-US" altLang="ja-JP" sz="1400"/>
               <a:t> </a:t>
             </a:r>
-            <a:r>
-              <a:rPr lang="en-US" altLang="ja-JP" sz="1400" smtClean="0"/>
-              <a:t>   // JavaBeans</a:t>
-            </a:r>
-            <a:r>
-              <a:rPr lang="ja-JP" altLang="en-US" sz="1400"/>
+          </a:p>
+          <a:p>
+            <a:r>
+              <a:rPr lang="en-US" altLang="ja-JP" sz="1400" b="1"/>
+              <a:t>  </a:t>
+            </a:r>
+            <a:r>
+              <a:rPr lang="en-US" altLang="ja-JP" sz="1400" b="1" smtClean="0"/>
+              <a:t>&lt;</a:t>
+            </a:r>
+            <a:r>
+              <a:rPr lang="en-US" altLang="ja-JP" sz="1400" b="1"/>
+              <a:t>bean id="xlsBeansDataFormat" </a:t>
+            </a:r>
+            <a:endParaRPr lang="en-US" altLang="ja-JP" sz="1400" b="1" smtClean="0"/>
+          </a:p>
+          <a:p>
+            <a:r>
+              <a:rPr lang="en-US" altLang="ja-JP" sz="1400" b="1"/>
               <a:t> </a:t>
             </a:r>
             <a:r>
-              <a:rPr lang="ja-JP" altLang="en-US" sz="1400" smtClean="0"/>
-              <a:t>の変換　今回は実装しない</a:t>
-            </a:r>
-            <a:endParaRPr lang="en-US" altLang="ja-JP" sz="1400"/>
-          </a:p>
-          <a:p>
-            <a:r>
-              <a:rPr lang="en-US" altLang="ja-JP" sz="1400" smtClean="0"/>
-              <a:t>    void </a:t>
-            </a:r>
-            <a:r>
-              <a:rPr lang="en-US" altLang="ja-JP" sz="1400"/>
-              <a:t>marshal(Exchange exchange, Object graph, OutputStream stream) </a:t>
-            </a:r>
-            <a:endParaRPr lang="en-US" altLang="ja-JP" sz="1400" smtClean="0"/>
-          </a:p>
-          <a:p>
-            <a:r>
-              <a:rPr lang="en-US" altLang="ja-JP" sz="1400"/>
-              <a:t> </a:t>
-            </a:r>
-            <a:r>
-              <a:rPr lang="en-US" altLang="ja-JP" sz="1400" smtClean="0"/>
-              <a:t>        throws </a:t>
-            </a:r>
-            <a:r>
-              <a:rPr lang="en-US" altLang="ja-JP" sz="1400"/>
-              <a:t>Exception;</a:t>
-            </a:r>
-          </a:p>
-          <a:p>
-            <a:endParaRPr lang="en-US" altLang="ja-JP" sz="1400" smtClean="0"/>
-          </a:p>
-          <a:p>
-            <a:r>
-              <a:rPr lang="en-US" altLang="ja-JP" sz="1400"/>
-              <a:t> </a:t>
-            </a:r>
-            <a:r>
-              <a:rPr lang="en-US" altLang="ja-JP" sz="1400" smtClean="0"/>
-              <a:t>   //  Excel </a:t>
-            </a:r>
-            <a:r>
-              <a:rPr lang="ja-JP" altLang="en-US" sz="1400" smtClean="0"/>
-              <a:t>⇒ </a:t>
-            </a:r>
-            <a:r>
-              <a:rPr lang="en-US" altLang="ja-JP" sz="1400" smtClean="0"/>
-              <a:t>JavaBeans</a:t>
-            </a:r>
-            <a:r>
-              <a:rPr lang="ja-JP" altLang="en-US" sz="1400" smtClean="0"/>
-              <a:t>の変換を行う</a:t>
-            </a:r>
-            <a:endParaRPr lang="en-US" altLang="ja-JP" sz="1400" smtClean="0"/>
-          </a:p>
-          <a:p>
-            <a:r>
-              <a:rPr lang="en-US" altLang="ja-JP" sz="1400"/>
-              <a:t> </a:t>
-            </a:r>
-            <a:r>
-              <a:rPr lang="en-US" altLang="ja-JP" sz="1400" smtClean="0"/>
-              <a:t>   //  stream</a:t>
-            </a:r>
-            <a:r>
-              <a:rPr lang="ja-JP" altLang="en-US" sz="1400" smtClean="0"/>
-              <a:t>は、</a:t>
-            </a:r>
-            <a:r>
-              <a:rPr lang="en-US" altLang="ja-JP" sz="1400" smtClean="0"/>
-              <a:t>Excel</a:t>
-            </a:r>
-            <a:r>
-              <a:rPr lang="ja-JP" altLang="en-US" sz="1400" smtClean="0"/>
-              <a:t>ファイルのストリーム形式</a:t>
-            </a:r>
-            <a:r>
-              <a:rPr lang="en-US" altLang="ja-JP" sz="1400" smtClean="0"/>
-              <a:t> </a:t>
-            </a:r>
-            <a:endParaRPr lang="en-US" altLang="ja-JP" sz="1400"/>
-          </a:p>
-          <a:p>
+              <a:rPr lang="en-US" altLang="ja-JP" sz="1400" b="1" smtClean="0"/>
+              <a:t>              class=“jp.co.nttcom.eai.component.xlsbeans.XLSBeansDataFormat</a:t>
+            </a:r>
+            <a:r>
+              <a:rPr lang="en-US" altLang="ja-JP" sz="1400" b="1"/>
+              <a:t>" &gt;</a:t>
+            </a:r>
+          </a:p>
+          <a:p>
+            <a:r>
+              <a:rPr lang="en-US" altLang="ja-JP" sz="1400" b="1"/>
+              <a:t>     </a:t>
+            </a:r>
+            <a:r>
+              <a:rPr lang="en-US" altLang="ja-JP" sz="1400" b="1" smtClean="0"/>
+              <a:t>&lt;</a:t>
+            </a:r>
+            <a:r>
+              <a:rPr lang="en-US" altLang="ja-JP" sz="1400" b="1"/>
+              <a:t>property name="objectType" value</a:t>
+            </a:r>
+            <a:r>
+              <a:rPr lang="en-US" altLang="ja-JP" sz="1400" b="1" smtClean="0"/>
+              <a:t>="jp.co.nttcom.eai.model.UserList</a:t>
+            </a:r>
+            <a:r>
+              <a:rPr lang="en-US" altLang="ja-JP" sz="1400" b="1"/>
+              <a:t>" /&gt;</a:t>
+            </a:r>
+          </a:p>
+          <a:p>
+            <a:r>
+              <a:rPr lang="en-US" altLang="ja-JP" sz="1400" b="1" smtClean="0"/>
+              <a:t>  &lt;/</a:t>
+            </a:r>
+            <a:r>
+              <a:rPr lang="en-US" altLang="ja-JP" sz="1400" b="1"/>
+              <a:t>bean</a:t>
+            </a:r>
+            <a:r>
+              <a:rPr lang="en-US" altLang="ja-JP" sz="1400" b="1" smtClean="0"/>
+              <a:t>&gt;</a:t>
+            </a:r>
             <a:r>
               <a:rPr lang="en-US" altLang="ja-JP" sz="1400" smtClean="0"/>
               <a:t>    </a:t>
             </a:r>
-            <a:r>
-              <a:rPr lang="en-US" altLang="ja-JP" sz="1400" b="1" smtClean="0">
-                <a:solidFill>
-                  <a:srgbClr val="FF0000"/>
-                </a:solidFill>
-              </a:rPr>
-              <a:t>Object </a:t>
-            </a:r>
-            <a:r>
-              <a:rPr lang="en-US" altLang="ja-JP" sz="1400" b="1">
-                <a:solidFill>
-                  <a:srgbClr val="FF0000"/>
-                </a:solidFill>
-              </a:rPr>
-              <a:t>unmarshal(Exchange exchange, InputStream stream) throws Exception</a:t>
-            </a:r>
-            <a:r>
-              <a:rPr lang="en-US" altLang="ja-JP" sz="1400" b="1" smtClean="0">
-                <a:solidFill>
-                  <a:srgbClr val="FF0000"/>
-                </a:solidFill>
-              </a:rPr>
-              <a:t>;</a:t>
-            </a:r>
-          </a:p>
-          <a:p>
-            <a:endParaRPr lang="en-US" altLang="ja-JP" sz="1400" b="1">
-              <a:solidFill>
-                <a:srgbClr val="FF0000"/>
-              </a:solidFill>
-            </a:endParaRPr>
-          </a:p>
-          <a:p>
-            <a:r>
-              <a:rPr lang="en-US" altLang="ja-JP" sz="1400"/>
-              <a:t>}</a:t>
-            </a:r>
-          </a:p>
-          <a:p>
-            <a:endParaRPr kumimoji="1" lang="ja-JP" altLang="en-US"/>
+            <a:endParaRPr lang="en-US" altLang="ja-JP" sz="1400"/>
           </a:p>
         </p:txBody>
       </p:sp>
     </p:spTree>
     <p:extLst>
       <p:ext uri="{BB962C8B-B14F-4D97-AF65-F5344CB8AC3E}">
-        <p14:creationId xmlns:p14="http://schemas.microsoft.com/office/powerpoint/2010/main" val="1991409182"/>
+        <p14:creationId xmlns:p14="http://schemas.microsoft.com/office/powerpoint/2010/main" val="572192002"/>
       </p:ext>
     </p:extLst>
   </p:cSld>
@@ -10264,11 +10186,19 @@
           <a:p>
             <a:r>
               <a:rPr kumimoji="1" lang="en-US" altLang="ja-JP" smtClean="0"/>
-              <a:t>ServiceSupport</a:t>
+              <a:t>Maven Project</a:t>
             </a:r>
             <a:r>
               <a:rPr kumimoji="1" lang="ja-JP" altLang="en-US" smtClean="0"/>
-              <a:t>クラス</a:t>
+              <a:t>の作成 （</a:t>
+            </a:r>
+            <a:r>
+              <a:rPr kumimoji="1" lang="en-US" altLang="ja-JP" smtClean="0"/>
+              <a:t>1</a:t>
+            </a:r>
+            <a:r>
+              <a:rPr kumimoji="1" lang="ja-JP" altLang="en-US" smtClean="0"/>
+              <a:t>）</a:t>
             </a:r>
             <a:endParaRPr kumimoji="1" lang="ja-JP" altLang="en-US"/>
           </a:p>
@@ -10284,23 +10214,108 @@
             <p:ph idx="1"/>
           </p:nvPr>
         </p:nvSpPr>
-        <p:spPr/>
-        <p:txBody>
-          <a:bodyPr/>
-          <a:lstStyle/>
-          <a:p>
-            <a:r>
-              <a:rPr kumimoji="1" lang="ja-JP" altLang="en-US" smtClean="0"/>
-              <a:t>コンポーネントのライフサイクルを制御するクラス</a:t>
-            </a:r>
-            <a:endParaRPr kumimoji="1" lang="en-US" altLang="ja-JP" smtClean="0"/>
-          </a:p>
-          <a:p>
-            <a:r>
-              <a:rPr lang="ja-JP" altLang="en-US" smtClean="0"/>
-              <a:t>インスタンスの生成など、初期処理、終了処理が必要な場合は、このクラスを継承する</a:t>
-            </a:r>
-            <a:endParaRPr kumimoji="1" lang="ja-JP" altLang="en-US"/>
+        <p:spPr>
+          <a:xfrm>
+            <a:off x="457200" y="1600200"/>
+            <a:ext cx="7620000" cy="4349080"/>
+          </a:xfrm>
+        </p:spPr>
+        <p:txBody>
+          <a:bodyPr>
+            <a:normAutofit/>
+          </a:bodyPr>
+          <a:lstStyle/>
+          <a:p>
+            <a:r>
+              <a:rPr lang="en-US" altLang="ja-JP" sz="1800" smtClean="0"/>
+              <a:t>mvn archetype:generate </a:t>
+            </a:r>
+            <a:r>
+              <a:rPr lang="ja-JP" altLang="en-US" sz="1800" smtClean="0"/>
+              <a:t>を実行し、</a:t>
+            </a:r>
+            <a:r>
+              <a:rPr lang="en-US" altLang="ja-JP" sz="1800" smtClean="0"/>
+              <a:t>Camel</a:t>
+            </a:r>
+            <a:r>
+              <a:rPr lang="ja-JP" altLang="en-US" sz="1800" smtClean="0"/>
+              <a:t>の</a:t>
+            </a:r>
+            <a:r>
+              <a:rPr lang="en-US" altLang="ja-JP" sz="1800" smtClean="0"/>
+              <a:t>Data Format</a:t>
+            </a:r>
+            <a:r>
+              <a:rPr lang="ja-JP" altLang="en-US" sz="1800" smtClean="0"/>
+              <a:t>向け</a:t>
+            </a:r>
+            <a:r>
+              <a:rPr lang="en-US" altLang="ja-JP" sz="1800" smtClean="0"/>
+              <a:t>Maven Project</a:t>
+            </a:r>
+            <a:r>
+              <a:rPr lang="ja-JP" altLang="en-US" sz="1800" smtClean="0"/>
+              <a:t>の雛形を生成</a:t>
+            </a:r>
+            <a:endParaRPr lang="en-US" altLang="ja-JP" sz="1800" smtClean="0"/>
+          </a:p>
+          <a:p>
+            <a:endParaRPr kumimoji="1" lang="en-US" altLang="ja-JP" sz="1800"/>
+          </a:p>
+          <a:p>
+            <a:endParaRPr lang="en-US" altLang="ja-JP" sz="1800" smtClean="0"/>
+          </a:p>
+          <a:p>
+            <a:endParaRPr kumimoji="1" lang="en-US" altLang="ja-JP" sz="1800"/>
+          </a:p>
+          <a:p>
+            <a:endParaRPr lang="en-US" altLang="ja-JP" sz="1800" smtClean="0"/>
+          </a:p>
+          <a:p>
+            <a:endParaRPr kumimoji="1" lang="en-US" altLang="ja-JP" sz="1800"/>
+          </a:p>
+          <a:p>
+            <a:endParaRPr lang="en-US" altLang="ja-JP" sz="1800" smtClean="0"/>
+          </a:p>
+          <a:p>
+            <a:endParaRPr kumimoji="1" lang="en-US" altLang="ja-JP" sz="1800" smtClean="0"/>
+          </a:p>
+          <a:p>
+            <a:endParaRPr lang="en-US" altLang="ja-JP" sz="1800"/>
+          </a:p>
+          <a:p>
+            <a:endParaRPr kumimoji="1" lang="en-US" altLang="ja-JP" sz="1800"/>
+          </a:p>
+          <a:p>
+            <a:r>
+              <a:rPr lang="en-US" altLang="ja-JP" sz="1800" smtClean="0"/>
+              <a:t>mvn eclipse:eclipse </a:t>
+            </a:r>
+            <a:r>
+              <a:rPr lang="ja-JP" altLang="en-US" sz="1800" smtClean="0"/>
+              <a:t>を実行し、</a:t>
+            </a:r>
+            <a:r>
+              <a:rPr lang="en-US" altLang="ja-JP" sz="1800" smtClean="0"/>
+              <a:t>Eclipse</a:t>
+            </a:r>
+            <a:r>
+              <a:rPr lang="ja-JP" altLang="en-US" sz="1800" smtClean="0"/>
+              <a:t>の</a:t>
+            </a:r>
+            <a:r>
+              <a:rPr lang="en-US" altLang="ja-JP" sz="1800" smtClean="0"/>
+              <a:t>.classpath</a:t>
+            </a:r>
+            <a:r>
+              <a:rPr lang="ja-JP" altLang="en-US" sz="1800" smtClean="0"/>
+              <a:t>などのファイルを作成</a:t>
+            </a:r>
+            <a:endParaRPr lang="en-US" altLang="ja-JP" sz="1800" smtClean="0"/>
+          </a:p>
+          <a:p>
+            <a:endParaRPr kumimoji="1" lang="ja-JP" altLang="en-US" sz="1800"/>
           </a:p>
         </p:txBody>
       </p:sp>
@@ -10312,15 +10327,19 @@
         </p:nvSpPr>
         <p:spPr>
           <a:xfrm>
-            <a:off x="395536" y="3137480"/>
-            <a:ext cx="7920880" cy="2523768"/>
+            <a:off x="899592" y="2642136"/>
+            <a:ext cx="6696744" cy="1938992"/>
           </a:xfrm>
           <a:prstGeom prst="rect">
             <a:avLst/>
           </a:prstGeom>
-          <a:noFill/>
+          <a:solidFill>
+            <a:schemeClr val="tx1"/>
+          </a:solidFill>
           <a:ln>
-            <a:noFill/>
+            <a:solidFill>
+              <a:schemeClr val="tx1"/>
+            </a:solidFill>
           </a:ln>
         </p:spPr>
         <p:txBody>
@@ -10330,129 +10349,226 @@
           <a:lstStyle/>
           <a:p>
             <a:r>
-              <a:rPr lang="en-US" altLang="ja-JP" sz="1400"/>
-              <a:t>package org.apache.camel.support</a:t>
-            </a:r>
-            <a:r>
-              <a:rPr lang="en-US" altLang="ja-JP" sz="1400" smtClean="0"/>
-              <a:t>;</a:t>
-            </a:r>
-          </a:p>
-          <a:p>
-            <a:endParaRPr lang="en-US" altLang="ja-JP" sz="1400" smtClean="0"/>
-          </a:p>
-          <a:p>
-            <a:r>
-              <a:rPr lang="en-US" altLang="ja-JP" sz="1400"/>
-              <a:t>public abstract class ServiceSupport implements StatefulService {</a:t>
-            </a:r>
-          </a:p>
-          <a:p>
-            <a:endParaRPr lang="en-US" altLang="ja-JP" sz="1400" smtClean="0"/>
-          </a:p>
-          <a:p>
-            <a:r>
-              <a:rPr lang="en-US" altLang="ja-JP" sz="1400"/>
-              <a:t> </a:t>
-            </a:r>
-            <a:r>
-              <a:rPr lang="en-US" altLang="ja-JP" sz="1400" smtClean="0"/>
-              <a:t>    </a:t>
-            </a:r>
-            <a:r>
-              <a:rPr lang="en-US" altLang="ja-JP" sz="1400"/>
-              <a:t>//  </a:t>
-            </a:r>
-            <a:r>
-              <a:rPr lang="ja-JP" altLang="en-US" sz="1400" smtClean="0"/>
-              <a:t>初期処理</a:t>
-            </a:r>
-            <a:endParaRPr lang="en-US" altLang="ja-JP" sz="1400" smtClean="0"/>
-          </a:p>
-          <a:p>
-            <a:r>
-              <a:rPr lang="en-US" altLang="ja-JP" sz="1400" b="1" smtClean="0">
+              <a:rPr lang="en-US" altLang="ja-JP" sz="1200" smtClean="0">
                 <a:solidFill>
-                  <a:srgbClr val="FF0000"/>
+                  <a:schemeClr val="bg1"/>
                 </a:solidFill>
               </a:rPr>
-              <a:t>     protected </a:t>
-            </a:r>
-            <a:r>
-              <a:rPr lang="en-US" altLang="ja-JP" sz="1400" b="1">
+              <a:t>C:\mvn archetype:generate \</a:t>
+            </a:r>
+            <a:endParaRPr lang="en-US" altLang="ja-JP" sz="1200">
+              <a:solidFill>
+                <a:schemeClr val="bg1"/>
+              </a:solidFill>
+            </a:endParaRPr>
+          </a:p>
+          <a:p>
+            <a:r>
+              <a:rPr lang="en-US" altLang="ja-JP" sz="1200">
                 <a:solidFill>
-                  <a:srgbClr val="FF0000"/>
+                  <a:schemeClr val="bg1"/>
                 </a:solidFill>
               </a:rPr>
-              <a:t>abstract void doStart() throws Exception;</a:t>
-            </a:r>
-          </a:p>
-          <a:p>
-            <a:r>
-              <a:rPr lang="en-US" altLang="ja-JP" sz="1400" smtClean="0"/>
-              <a:t>    </a:t>
-            </a:r>
-          </a:p>
-          <a:p>
-            <a:r>
-              <a:rPr lang="en-US" altLang="ja-JP" sz="1400"/>
-              <a:t> </a:t>
-            </a:r>
-            <a:r>
-              <a:rPr lang="en-US" altLang="ja-JP" sz="1400" smtClean="0"/>
-              <a:t>    </a:t>
-            </a:r>
-            <a:r>
-              <a:rPr lang="en-US" altLang="ja-JP" sz="1400"/>
-              <a:t>//  </a:t>
-            </a:r>
-            <a:r>
-              <a:rPr lang="ja-JP" altLang="en-US" sz="1400"/>
-              <a:t>終了</a:t>
-            </a:r>
-            <a:r>
-              <a:rPr lang="ja-JP" altLang="en-US" sz="1400" smtClean="0"/>
-              <a:t>処理</a:t>
-            </a:r>
-            <a:endParaRPr lang="en-US" altLang="ja-JP" sz="1400" b="1">
+              <a:t>     -</a:t>
+            </a:r>
+            <a:r>
+              <a:rPr lang="en-US" altLang="ja-JP" sz="1200" smtClean="0">
+                <a:solidFill>
+                  <a:schemeClr val="bg1"/>
+                </a:solidFill>
+              </a:rPr>
+              <a:t>DarchetypeGroupId=org.apache.camel.archetypes \</a:t>
+            </a:r>
+            <a:endParaRPr lang="en-US" altLang="ja-JP" sz="1200">
               <a:solidFill>
-                <a:srgbClr val="FF0000"/>
+                <a:schemeClr val="bg1"/>
               </a:solidFill>
             </a:endParaRPr>
           </a:p>
           <a:p>
             <a:r>
-              <a:rPr lang="en-US" altLang="ja-JP" sz="1400" b="1" smtClean="0">
+              <a:rPr lang="en-US" altLang="ja-JP" sz="1200">
                 <a:solidFill>
-                  <a:srgbClr val="FF0000"/>
+                  <a:schemeClr val="bg1"/>
                 </a:solidFill>
               </a:rPr>
-              <a:t>     protected </a:t>
-            </a:r>
-            <a:r>
-              <a:rPr lang="en-US" altLang="ja-JP" sz="1400" b="1">
+              <a:t>     -</a:t>
+            </a:r>
+            <a:r>
+              <a:rPr lang="en-US" altLang="ja-JP" sz="1200" smtClean="0">
                 <a:solidFill>
-                  <a:srgbClr val="FF0000"/>
+                  <a:schemeClr val="bg1"/>
                 </a:solidFill>
               </a:rPr>
-              <a:t>abstract void doStop() throws Exception;</a:t>
-            </a:r>
-          </a:p>
-          <a:p>
-            <a:r>
-              <a:rPr lang="en-US" altLang="ja-JP" sz="1400"/>
-              <a:t>}</a:t>
-            </a:r>
-          </a:p>
-          <a:p>
-            <a:endParaRPr kumimoji="1" lang="ja-JP" altLang="en-US"/>
+              <a:t>DarchetypeArtifactId=camel-archetype-dataformat \</a:t>
+            </a:r>
+            <a:endParaRPr lang="en-US" altLang="ja-JP" sz="1200">
+              <a:solidFill>
+                <a:schemeClr val="bg1"/>
+              </a:solidFill>
+            </a:endParaRPr>
+          </a:p>
+          <a:p>
+            <a:r>
+              <a:rPr lang="en-US" altLang="ja-JP" sz="1200">
+                <a:solidFill>
+                  <a:schemeClr val="bg1"/>
+                </a:solidFill>
+              </a:rPr>
+              <a:t>     -</a:t>
+            </a:r>
+            <a:r>
+              <a:rPr lang="en-US" altLang="ja-JP" sz="1200" smtClean="0">
+                <a:solidFill>
+                  <a:schemeClr val="bg1"/>
+                </a:solidFill>
+              </a:rPr>
+              <a:t>DarchetypeVersion=2.13.2 \</a:t>
+            </a:r>
+            <a:endParaRPr lang="en-US" altLang="ja-JP" sz="1200">
+              <a:solidFill>
+                <a:schemeClr val="bg1"/>
+              </a:solidFill>
+            </a:endParaRPr>
+          </a:p>
+          <a:p>
+            <a:r>
+              <a:rPr lang="en-US" altLang="ja-JP" sz="1200">
+                <a:solidFill>
+                  <a:schemeClr val="bg1"/>
+                </a:solidFill>
+              </a:rPr>
+              <a:t>     -</a:t>
+            </a:r>
+            <a:r>
+              <a:rPr lang="en-US" altLang="ja-JP" sz="1200" smtClean="0">
+                <a:solidFill>
+                  <a:schemeClr val="bg1"/>
+                </a:solidFill>
+              </a:rPr>
+              <a:t>DgroupId=osseai \</a:t>
+            </a:r>
+            <a:endParaRPr lang="en-US" altLang="ja-JP" sz="1200">
+              <a:solidFill>
+                <a:schemeClr val="bg1"/>
+              </a:solidFill>
+            </a:endParaRPr>
+          </a:p>
+          <a:p>
+            <a:r>
+              <a:rPr lang="en-US" altLang="ja-JP" sz="1200">
+                <a:solidFill>
+                  <a:schemeClr val="bg1"/>
+                </a:solidFill>
+              </a:rPr>
+              <a:t>     -</a:t>
+            </a:r>
+            <a:r>
+              <a:rPr lang="en-US" altLang="ja-JP" sz="1200" smtClean="0">
+                <a:solidFill>
+                  <a:schemeClr val="bg1"/>
+                </a:solidFill>
+              </a:rPr>
+              <a:t>DartifactId=xlsbeans \</a:t>
+            </a:r>
+            <a:endParaRPr lang="en-US" altLang="ja-JP" sz="1200">
+              <a:solidFill>
+                <a:schemeClr val="bg1"/>
+              </a:solidFill>
+            </a:endParaRPr>
+          </a:p>
+          <a:p>
+            <a:r>
+              <a:rPr lang="en-US" altLang="ja-JP" sz="1200">
+                <a:solidFill>
+                  <a:schemeClr val="bg1"/>
+                </a:solidFill>
+              </a:rPr>
+              <a:t>     -</a:t>
+            </a:r>
+            <a:r>
+              <a:rPr lang="en-US" altLang="ja-JP" sz="1200" smtClean="0">
+                <a:solidFill>
+                  <a:schemeClr val="bg1"/>
+                </a:solidFill>
+              </a:rPr>
+              <a:t>Dversion=1.0-SNAPSHOT \</a:t>
+            </a:r>
+            <a:endParaRPr lang="en-US" altLang="ja-JP" sz="1200">
+              <a:solidFill>
+                <a:schemeClr val="bg1"/>
+              </a:solidFill>
+            </a:endParaRPr>
+          </a:p>
+          <a:p>
+            <a:r>
+              <a:rPr lang="en-US" altLang="ja-JP" sz="1200" smtClean="0">
+                <a:solidFill>
+                  <a:schemeClr val="bg1"/>
+                </a:solidFill>
+              </a:rPr>
+              <a:t>     </a:t>
+            </a:r>
+            <a:r>
+              <a:rPr lang="en-US" altLang="ja-JP" sz="1200">
+                <a:solidFill>
+                  <a:schemeClr val="bg1"/>
+                </a:solidFill>
+              </a:rPr>
+              <a:t>-</a:t>
+            </a:r>
+            <a:r>
+              <a:rPr lang="en-US" altLang="ja-JP" sz="1200" smtClean="0">
+                <a:solidFill>
+                  <a:schemeClr val="bg1"/>
+                </a:solidFill>
+              </a:rPr>
+              <a:t>Dpackage=jp.co.nttcom.eai.component.xlsbeans \</a:t>
+            </a:r>
+          </a:p>
+          <a:p>
+            <a:r>
+              <a:rPr lang="en-US" altLang="ja-JP" sz="1200">
+                <a:solidFill>
+                  <a:schemeClr val="bg1"/>
+                </a:solidFill>
+              </a:rPr>
+              <a:t> </a:t>
+            </a:r>
+            <a:r>
+              <a:rPr lang="en-US" altLang="ja-JP" sz="1200" smtClean="0">
+                <a:solidFill>
+                  <a:schemeClr val="bg1"/>
+                </a:solidFill>
+              </a:rPr>
+              <a:t>    -Dname=XLSBeans \</a:t>
+            </a:r>
+          </a:p>
+          <a:p>
+            <a:r>
+              <a:rPr lang="en-US" altLang="ja-JP" sz="1200">
+                <a:solidFill>
+                  <a:schemeClr val="bg1"/>
+                </a:solidFill>
+              </a:rPr>
+              <a:t> </a:t>
+            </a:r>
+            <a:r>
+              <a:rPr lang="en-US" altLang="ja-JP" sz="1200" smtClean="0">
+                <a:solidFill>
+                  <a:schemeClr val="bg1"/>
+                </a:solidFill>
+              </a:rPr>
+              <a:t>    -Dscheme=xlsbeans</a:t>
+            </a:r>
+            <a:endParaRPr kumimoji="1" lang="ja-JP" altLang="en-US" sz="1200"/>
           </a:p>
         </p:txBody>
       </p:sp>
     </p:spTree>
     <p:extLst>
       <p:ext uri="{BB962C8B-B14F-4D97-AF65-F5344CB8AC3E}">
-        <p14:creationId xmlns:p14="http://schemas.microsoft.com/office/powerpoint/2010/main" val="3519042411"/>
+        <p14:creationId xmlns:p14="http://schemas.microsoft.com/office/powerpoint/2010/main" val="24562976"/>
       </p:ext>
     </p:extLst>
   </p:cSld>
@@ -10502,14 +10618,26 @@
           <a:lstStyle/>
           <a:p>
             <a:r>
-              <a:rPr kumimoji="1" lang="en-US" altLang="ja-JP" sz="3200" smtClean="0"/>
-              <a:t>CamelContextAware</a:t>
-            </a:r>
-            <a:r>
-              <a:rPr kumimoji="1" lang="ja-JP" altLang="en-US" sz="3200" smtClean="0"/>
-              <a:t>インタフェース</a:t>
-            </a:r>
-            <a:endParaRPr kumimoji="1" lang="ja-JP" altLang="en-US" sz="3200"/>
+              <a:rPr lang="en-US" altLang="ja-JP"/>
+              <a:t>Maven Project</a:t>
+            </a:r>
+            <a:r>
+              <a:rPr lang="ja-JP" altLang="en-US"/>
+              <a:t>の作成 </a:t>
+            </a:r>
+            <a:r>
+              <a:rPr lang="ja-JP" altLang="en-US" smtClean="0"/>
+              <a:t>（</a:t>
+            </a:r>
+            <a:r>
+              <a:rPr lang="en-US" altLang="ja-JP" smtClean="0"/>
+              <a:t>2</a:t>
+            </a:r>
+            <a:r>
+              <a:rPr lang="ja-JP" altLang="en-US" smtClean="0"/>
+              <a:t>）</a:t>
+            </a:r>
+            <a:endParaRPr kumimoji="1" lang="ja-JP" altLang="en-US"/>
           </a:p>
         </p:txBody>
       </p:sp>
@@ -10523,52 +10651,49 @@
             <p:ph idx="1"/>
           </p:nvPr>
         </p:nvSpPr>
-        <p:spPr/>
-        <p:txBody>
-          <a:bodyPr/>
-          <a:lstStyle/>
-          <a:p>
-            <a:r>
-              <a:rPr kumimoji="1" lang="en-US" altLang="ja-JP" smtClean="0"/>
-              <a:t>CamelContext</a:t>
-            </a:r>
-            <a:r>
-              <a:rPr lang="ja-JP" altLang="en-US" smtClean="0"/>
-              <a:t>が必要な場合に実装</a:t>
-            </a:r>
-            <a:endParaRPr lang="en-US" altLang="ja-JP" smtClean="0"/>
-          </a:p>
-          <a:p>
-            <a:r>
-              <a:rPr kumimoji="1" lang="en-US" altLang="ja-JP" smtClean="0"/>
-              <a:t>Camel</a:t>
-            </a:r>
-            <a:r>
-              <a:rPr kumimoji="1" lang="ja-JP" altLang="en-US" smtClean="0"/>
-              <a:t>本体が</a:t>
-            </a:r>
-            <a:r>
-              <a:rPr kumimoji="1" lang="en-US" altLang="ja-JP" smtClean="0"/>
-              <a:t>CamelContext</a:t>
-            </a:r>
-            <a:r>
-              <a:rPr kumimoji="1" lang="ja-JP" altLang="en-US" smtClean="0"/>
-              <a:t>をインジェクト</a:t>
-            </a:r>
-            <a:endParaRPr kumimoji="1" lang="ja-JP" altLang="en-US"/>
-          </a:p>
-        </p:txBody>
-      </p:sp>
-      <p:sp>
-        <p:nvSpPr>
-          <p:cNvPr id="4" name="テキスト ボックス 3"/>
-          <p:cNvSpPr txBox="1"/>
-          <p:nvPr/>
-        </p:nvSpPr>
         <p:spPr>
           <a:xfrm>
-            <a:off x="395536" y="3137480"/>
-            <a:ext cx="7920880" cy="2462213"/>
+            <a:off x="457200" y="1600200"/>
+            <a:ext cx="7620000" cy="748680"/>
+          </a:xfrm>
+        </p:spPr>
+        <p:txBody>
+          <a:bodyPr/>
+          <a:lstStyle/>
+          <a:p>
+            <a:r>
+              <a:rPr kumimoji="1" lang="ja-JP" altLang="en-US" smtClean="0"/>
+              <a:t>以下のディレクトリ、ファイルが生成される</a:t>
+            </a:r>
+            <a:endParaRPr kumimoji="1" lang="ja-JP" altLang="en-US"/>
+          </a:p>
+        </p:txBody>
+      </p:sp>
+      <p:pic>
+        <p:nvPicPr>
+          <p:cNvPr id="1026" name="Picture 2"/>
+          <p:cNvPicPr>
+            <a:picLocks noChangeAspect="1" noChangeArrowheads="1"/>
+          </p:cNvPicPr>
+          <p:nvPr/>
+        </p:nvPicPr>
+        <p:blipFill>
+          <a:blip r:embed="rId2">
+            <a:extLst>
+              <a:ext uri="{28A0092B-C50C-407E-A947-70E740481C1C}">
+                <a14:useLocalDpi xmlns:a14="http://schemas.microsoft.com/office/drawing/2010/main" val="0"/>
+              </a:ext>
+            </a:extLst>
+          </a:blip>
+          <a:srcRect/>
+          <a:stretch>
+            <a:fillRect/>
+          </a:stretch>
+        </p:blipFill>
+        <p:spPr bwMode="auto">
+          <a:xfrm>
+            <a:off x="2051720" y="2276872"/>
+            <a:ext cx="3790950" cy="3971925"/>
           </a:xfrm>
           <a:prstGeom prst="rect">
             <a:avLst/>
@@ -10577,119 +10702,79 @@
           <a:ln>
             <a:noFill/>
           </a:ln>
+          <a:effectLst/>
+          <a:extLst>
+            <a:ext uri="{909E8E84-426E-40DD-AFC4-6F175D3DCCD1}">
+              <a14:hiddenFill xmlns:a14="http://schemas.microsoft.com/office/drawing/2010/main">
+                <a:solidFill>
+                  <a:schemeClr val="accent1"/>
+                </a:solidFill>
+              </a14:hiddenFill>
+            </a:ext>
+            <a:ext uri="{91240B29-F687-4F45-9708-019B960494DF}">
+              <a14:hiddenLine xmlns:a14="http://schemas.microsoft.com/office/drawing/2010/main" w="9525">
+                <a:solidFill>
+                  <a:schemeClr val="tx1"/>
+                </a:solidFill>
+                <a:miter lim="800000"/>
+                <a:headEnd/>
+                <a:tailEnd/>
+              </a14:hiddenLine>
+            </a:ext>
+            <a:ext uri="{AF507438-7753-43E0-B8FC-AC1667EBCBE1}">
+              <a14:hiddenEffects xmlns:a14="http://schemas.microsoft.com/office/drawing/2010/main">
+                <a:effectLst>
+                  <a:outerShdw dist="35921" dir="2700000" algn="ctr" rotWithShape="0">
+                    <a:schemeClr val="bg2"/>
+                  </a:outerShdw>
+                </a:effectLst>
+              </a14:hiddenEffects>
+            </a:ext>
+          </a:extLst>
         </p:spPr>
-        <p:txBody>
-          <a:bodyPr wrap="square" rtlCol="0">
-            <a:spAutoFit/>
-          </a:bodyPr>
-          <a:lstStyle/>
-          <a:p>
-            <a:r>
-              <a:rPr lang="en-US" altLang="ja-JP" sz="1400"/>
-              <a:t>package org.apache.camel</a:t>
-            </a:r>
-            <a:r>
-              <a:rPr lang="en-US" altLang="ja-JP" sz="1400" smtClean="0"/>
-              <a:t>;</a:t>
-            </a:r>
-          </a:p>
-          <a:p>
-            <a:endParaRPr lang="en-US" altLang="ja-JP" sz="1400" smtClean="0"/>
-          </a:p>
-          <a:p>
-            <a:r>
-              <a:rPr lang="en-US" altLang="ja-JP" sz="1400"/>
-              <a:t>public interface CamelContextAware {</a:t>
-            </a:r>
-          </a:p>
-          <a:p>
-            <a:endParaRPr lang="en-US" altLang="ja-JP" sz="1400" smtClean="0"/>
-          </a:p>
-          <a:p>
-            <a:r>
-              <a:rPr lang="en-US" altLang="ja-JP" sz="1400"/>
-              <a:t> </a:t>
-            </a:r>
-            <a:r>
-              <a:rPr lang="en-US" altLang="ja-JP" sz="1400" smtClean="0"/>
-              <a:t>   </a:t>
-            </a:r>
-            <a:r>
-              <a:rPr lang="en-US" altLang="ja-JP" sz="1400"/>
-              <a:t>//  </a:t>
-            </a:r>
-            <a:r>
-              <a:rPr lang="en-US" altLang="ja-JP" sz="1400" smtClean="0"/>
-              <a:t>CamelContext</a:t>
-            </a:r>
-            <a:r>
-              <a:rPr lang="ja-JP" altLang="en-US" sz="1400"/>
-              <a:t>の</a:t>
-            </a:r>
-            <a:r>
-              <a:rPr lang="ja-JP" altLang="en-US" sz="1400" smtClean="0"/>
-              <a:t>設定</a:t>
-            </a:r>
-            <a:endParaRPr lang="en-US" altLang="ja-JP" sz="1400"/>
-          </a:p>
-          <a:p>
-            <a:r>
-              <a:rPr lang="en-US" altLang="ja-JP" sz="1400" smtClean="0"/>
-              <a:t>    </a:t>
-            </a:r>
-            <a:r>
-              <a:rPr lang="en-US" altLang="ja-JP" sz="1400" b="1" smtClean="0">
-                <a:solidFill>
-                  <a:srgbClr val="FF0000"/>
-                </a:solidFill>
-              </a:rPr>
-              <a:t>void </a:t>
-            </a:r>
-            <a:r>
-              <a:rPr lang="en-US" altLang="ja-JP" sz="1400" b="1">
-                <a:solidFill>
-                  <a:srgbClr val="FF0000"/>
-                </a:solidFill>
-              </a:rPr>
-              <a:t>setCamelContext(CamelContext camelContext);</a:t>
-            </a:r>
-          </a:p>
-          <a:p>
-            <a:endParaRPr lang="en-US" altLang="ja-JP" sz="1400" smtClean="0"/>
-          </a:p>
-          <a:p>
-            <a:r>
-              <a:rPr lang="en-US" altLang="ja-JP" sz="1400" smtClean="0"/>
-              <a:t>    //  CamelContext</a:t>
-            </a:r>
-            <a:r>
-              <a:rPr lang="ja-JP" altLang="en-US" sz="1400" smtClean="0"/>
-              <a:t>の取得</a:t>
-            </a:r>
-            <a:endParaRPr lang="en-US" altLang="ja-JP" sz="1400"/>
-          </a:p>
-          <a:p>
-            <a:r>
-              <a:rPr lang="en-US" altLang="ja-JP" sz="1400" b="1" smtClean="0">
-                <a:solidFill>
-                  <a:srgbClr val="FF0000"/>
-                </a:solidFill>
-              </a:rPr>
-              <a:t>    CamelContext getCamelContext();</a:t>
-            </a:r>
-          </a:p>
-          <a:p>
-            <a:r>
-              <a:rPr lang="en-US" altLang="ja-JP" sz="1400" smtClean="0"/>
-              <a:t>    </a:t>
-            </a:r>
-            <a:endParaRPr lang="en-US" altLang="ja-JP" sz="1400"/>
-          </a:p>
-          <a:p>
-            <a:r>
-              <a:rPr lang="en-US" altLang="ja-JP" sz="1400"/>
-              <a:t>}</a:t>
-            </a:r>
+      </p:pic>
+      <p:sp>
+        <p:nvSpPr>
+          <p:cNvPr id="4" name="正方形/長方形 3"/>
+          <p:cNvSpPr/>
+          <p:nvPr/>
+        </p:nvSpPr>
+        <p:spPr>
+          <a:xfrm>
+            <a:off x="3707904" y="3789040"/>
+            <a:ext cx="2520280" cy="473794"/>
+          </a:xfrm>
+          <a:prstGeom prst="rect">
+            <a:avLst/>
+          </a:prstGeom>
+          <a:noFill/>
+          <a:ln>
+            <a:solidFill>
+              <a:srgbClr val="FF0000"/>
+            </a:solidFill>
+          </a:ln>
+        </p:spPr>
+        <p:style>
+          <a:lnRef idx="2">
+            <a:schemeClr val="accent1">
+              <a:shade val="50000"/>
+            </a:schemeClr>
+          </a:lnRef>
+          <a:fillRef idx="1">
+            <a:schemeClr val="accent1"/>
+          </a:fillRef>
+          <a:effectRef idx="0">
+            <a:schemeClr val="accent1"/>
+          </a:effectRef>
+          <a:fontRef idx="minor">
+            <a:schemeClr val="lt1"/>
+          </a:fontRef>
+        </p:style>
+        <p:txBody>
+          <a:bodyPr rtlCol="0" anchor="ctr"/>
+          <a:lstStyle/>
+          <a:p>
+            <a:pPr algn="ctr"/>
             <a:endParaRPr kumimoji="1" lang="ja-JP" altLang="en-US"/>
           </a:p>
         </p:txBody>
@@ -10697,7 +10782,7 @@
     </p:spTree>
     <p:extLst>
       <p:ext uri="{BB962C8B-B14F-4D97-AF65-F5344CB8AC3E}">
-        <p14:creationId xmlns:p14="http://schemas.microsoft.com/office/powerpoint/2010/main" val="1827038324"/>
+        <p14:creationId xmlns:p14="http://schemas.microsoft.com/office/powerpoint/2010/main" val="1189142836"/>
       </p:ext>
     </p:extLst>
   </p:cSld>
@@ -10747,20 +10832,8 @@
           <a:lstStyle/>
           <a:p>
             <a:r>
-              <a:rPr kumimoji="1" lang="en-US" altLang="ja-JP" smtClean="0"/>
-              <a:t>Maven Project</a:t>
-            </a:r>
-            <a:r>
-              <a:rPr kumimoji="1" lang="ja-JP" altLang="en-US" smtClean="0"/>
-              <a:t>の作成 （</a:t>
-            </a:r>
-            <a:r>
-              <a:rPr kumimoji="1" lang="en-US" altLang="ja-JP" smtClean="0"/>
-              <a:t>1</a:t>
-            </a:r>
-            <a:r>
-              <a:rPr kumimoji="1" lang="ja-JP" altLang="en-US" smtClean="0"/>
-              <a:t>）</a:t>
+              <a:rPr lang="ja-JP" altLang="en-US" smtClean="0"/>
+              <a:t>依存ライブラリの追加</a:t>
             </a:r>
             <a:endParaRPr kumimoji="1" lang="ja-JP" altLang="en-US"/>
           </a:p>
@@ -10776,108 +10849,28 @@
             <p:ph idx="1"/>
           </p:nvPr>
         </p:nvSpPr>
-        <p:spPr>
-          <a:xfrm>
-            <a:off x="457200" y="1600200"/>
-            <a:ext cx="7620000" cy="4349080"/>
-          </a:xfrm>
-        </p:spPr>
-        <p:txBody>
-          <a:bodyPr>
-            <a:normAutofit/>
-          </a:bodyPr>
-          <a:lstStyle/>
-          <a:p>
-            <a:r>
-              <a:rPr lang="en-US" altLang="ja-JP" sz="1800" smtClean="0"/>
-              <a:t>mvn archetype:generate </a:t>
-            </a:r>
-            <a:r>
-              <a:rPr lang="ja-JP" altLang="en-US" sz="1800" smtClean="0"/>
-              <a:t>を実行し、</a:t>
-            </a:r>
-            <a:r>
-              <a:rPr lang="en-US" altLang="ja-JP" sz="1800" smtClean="0"/>
-              <a:t>Camel</a:t>
-            </a:r>
-            <a:r>
-              <a:rPr lang="ja-JP" altLang="en-US" sz="1800" smtClean="0"/>
-              <a:t>の</a:t>
-            </a:r>
-            <a:r>
-              <a:rPr lang="en-US" altLang="ja-JP" sz="1800" smtClean="0"/>
-              <a:t>Data Format</a:t>
-            </a:r>
-            <a:r>
-              <a:rPr lang="ja-JP" altLang="en-US" sz="1800" smtClean="0"/>
-              <a:t>向け</a:t>
-            </a:r>
-            <a:r>
-              <a:rPr lang="en-US" altLang="ja-JP" sz="1800" smtClean="0"/>
-              <a:t>Maven Project</a:t>
-            </a:r>
-            <a:r>
-              <a:rPr lang="ja-JP" altLang="en-US" sz="1800" smtClean="0"/>
-              <a:t>の雛形を生成</a:t>
-            </a:r>
-            <a:endParaRPr lang="en-US" altLang="ja-JP" sz="1800" smtClean="0"/>
-          </a:p>
-          <a:p>
-            <a:endParaRPr kumimoji="1" lang="en-US" altLang="ja-JP" sz="1800"/>
-          </a:p>
-          <a:p>
-            <a:endParaRPr lang="en-US" altLang="ja-JP" sz="1800" smtClean="0"/>
-          </a:p>
-          <a:p>
-            <a:endParaRPr kumimoji="1" lang="en-US" altLang="ja-JP" sz="1800"/>
-          </a:p>
-          <a:p>
-            <a:endParaRPr lang="en-US" altLang="ja-JP" sz="1800" smtClean="0"/>
-          </a:p>
-          <a:p>
-            <a:endParaRPr kumimoji="1" lang="en-US" altLang="ja-JP" sz="1800"/>
-          </a:p>
-          <a:p>
-            <a:endParaRPr lang="en-US" altLang="ja-JP" sz="1800" smtClean="0"/>
-          </a:p>
-          <a:p>
-            <a:endParaRPr kumimoji="1" lang="en-US" altLang="ja-JP" sz="1800" smtClean="0"/>
-          </a:p>
-          <a:p>
-            <a:endParaRPr lang="en-US" altLang="ja-JP" sz="1800"/>
-          </a:p>
-          <a:p>
-            <a:endParaRPr kumimoji="1" lang="en-US" altLang="ja-JP" sz="1800"/>
-          </a:p>
-          <a:p>
-            <a:r>
-              <a:rPr lang="en-US" altLang="ja-JP" sz="1800" smtClean="0"/>
-              <a:t>mvn eclipse:eclipse </a:t>
-            </a:r>
-            <a:r>
-              <a:rPr lang="ja-JP" altLang="en-US" sz="1800" smtClean="0"/>
-              <a:t>を実行し、</a:t>
-            </a:r>
-            <a:r>
-              <a:rPr lang="en-US" altLang="ja-JP" sz="1800" smtClean="0"/>
-              <a:t>Eclipse</a:t>
-            </a:r>
-            <a:r>
-              <a:rPr lang="ja-JP" altLang="en-US" sz="1800" smtClean="0"/>
-              <a:t>の</a:t>
-            </a:r>
-            <a:r>
-              <a:rPr lang="en-US" altLang="ja-JP" sz="1800" smtClean="0"/>
-              <a:t>.classpath</a:t>
-            </a:r>
-            <a:r>
-              <a:rPr lang="ja-JP" altLang="en-US" sz="1800" smtClean="0"/>
-              <a:t>などのファイルを作成</a:t>
-            </a:r>
-            <a:endParaRPr lang="en-US" altLang="ja-JP" sz="1800" smtClean="0"/>
-          </a:p>
-          <a:p>
-            <a:endParaRPr kumimoji="1" lang="ja-JP" altLang="en-US" sz="1800"/>
+        <p:spPr/>
+        <p:txBody>
+          <a:bodyPr/>
+          <a:lstStyle/>
+          <a:p>
+            <a:r>
+              <a:rPr kumimoji="1" lang="en-US" altLang="ja-JP" smtClean="0"/>
+              <a:t>XLSBeans</a:t>
+            </a:r>
+            <a:r>
+              <a:rPr kumimoji="1" lang="ja-JP" altLang="en-US" smtClean="0"/>
+              <a:t>を使用できるように</a:t>
+            </a:r>
+            <a:r>
+              <a:rPr lang="en-US" altLang="ja-JP" smtClean="0"/>
+              <a:t>pom.xml</a:t>
+            </a:r>
+            <a:r>
+              <a:rPr lang="ja-JP" altLang="en-US" smtClean="0"/>
+              <a:t>を修正</a:t>
+            </a:r>
+            <a:endParaRPr kumimoji="1" lang="ja-JP" altLang="en-US"/>
           </a:p>
         </p:txBody>
       </p:sp>
@@ -10889,19 +10882,15 @@
         </p:nvSpPr>
         <p:spPr>
           <a:xfrm>
-            <a:off x="899592" y="2642136"/>
-            <a:ext cx="6696744" cy="1938992"/>
+            <a:off x="562448" y="2420888"/>
+            <a:ext cx="7416824" cy="3754874"/>
           </a:xfrm>
           <a:prstGeom prst="rect">
             <a:avLst/>
           </a:prstGeom>
-          <a:solidFill>
-            <a:schemeClr val="tx1"/>
-          </a:solidFill>
+          <a:noFill/>
           <a:ln>
-            <a:solidFill>
-              <a:schemeClr val="tx1"/>
-            </a:solidFill>
+            <a:noFill/>
           </a:ln>
         </p:spPr>
         <p:txBody>
@@ -10911,226 +10900,138 @@
           <a:lstStyle/>
           <a:p>
             <a:r>
-              <a:rPr lang="en-US" altLang="ja-JP" sz="1200" smtClean="0">
-                <a:solidFill>
-                  <a:schemeClr val="bg1"/>
-                </a:solidFill>
-              </a:rPr>
-              <a:t>C:\mvn archetype:generate \</a:t>
-            </a:r>
-            <a:endParaRPr lang="en-US" altLang="ja-JP" sz="1200">
-              <a:solidFill>
-                <a:schemeClr val="bg1"/>
-              </a:solidFill>
-            </a:endParaRPr>
-          </a:p>
-          <a:p>
-            <a:r>
-              <a:rPr lang="en-US" altLang="ja-JP" sz="1200">
-                <a:solidFill>
-                  <a:schemeClr val="bg1"/>
-                </a:solidFill>
-              </a:rPr>
-              <a:t>     -</a:t>
-            </a:r>
-            <a:r>
-              <a:rPr lang="en-US" altLang="ja-JP" sz="1200" smtClean="0">
-                <a:solidFill>
-                  <a:schemeClr val="bg1"/>
-                </a:solidFill>
-              </a:rPr>
-              <a:t>DarchetypeGroupId=org.apache.camel.archetypes \</a:t>
-            </a:r>
-            <a:endParaRPr lang="en-US" altLang="ja-JP" sz="1200">
-              <a:solidFill>
-                <a:schemeClr val="bg1"/>
-              </a:solidFill>
-            </a:endParaRPr>
-          </a:p>
-          <a:p>
-            <a:r>
-              <a:rPr lang="en-US" altLang="ja-JP" sz="1200">
-                <a:solidFill>
-                  <a:schemeClr val="bg1"/>
-                </a:solidFill>
-              </a:rPr>
-              <a:t>     -</a:t>
-            </a:r>
-            <a:r>
-              <a:rPr lang="en-US" altLang="ja-JP" sz="1200" smtClean="0">
-                <a:solidFill>
-                  <a:schemeClr val="bg1"/>
-                </a:solidFill>
-              </a:rPr>
-              <a:t>DarchetypeArtifactId=camel-archetype-dataformat \</a:t>
-            </a:r>
-            <a:endParaRPr lang="en-US" altLang="ja-JP" sz="1200">
-              <a:solidFill>
-                <a:schemeClr val="bg1"/>
-              </a:solidFill>
-            </a:endParaRPr>
-          </a:p>
-          <a:p>
-            <a:r>
-              <a:rPr lang="en-US" altLang="ja-JP" sz="1200">
-                <a:solidFill>
-                  <a:schemeClr val="bg1"/>
-                </a:solidFill>
-              </a:rPr>
-              <a:t>     -</a:t>
-            </a:r>
-            <a:r>
-              <a:rPr lang="en-US" altLang="ja-JP" sz="1200" smtClean="0">
-                <a:solidFill>
-                  <a:schemeClr val="bg1"/>
-                </a:solidFill>
-              </a:rPr>
-              <a:t>DarchetypeVersion=2.13.2 \</a:t>
-            </a:r>
-            <a:endParaRPr lang="en-US" altLang="ja-JP" sz="1200">
-              <a:solidFill>
-                <a:schemeClr val="bg1"/>
-              </a:solidFill>
-            </a:endParaRPr>
-          </a:p>
-          <a:p>
-            <a:r>
-              <a:rPr lang="en-US" altLang="ja-JP" sz="1200">
-                <a:solidFill>
-                  <a:schemeClr val="bg1"/>
-                </a:solidFill>
-              </a:rPr>
-              <a:t>     -</a:t>
-            </a:r>
-            <a:r>
-              <a:rPr lang="en-US" altLang="ja-JP" sz="1200" smtClean="0">
-                <a:solidFill>
-                  <a:schemeClr val="bg1"/>
-                </a:solidFill>
-              </a:rPr>
-              <a:t>DgroupId=osseai \</a:t>
-            </a:r>
-            <a:endParaRPr lang="en-US" altLang="ja-JP" sz="1200">
-              <a:solidFill>
-                <a:schemeClr val="bg1"/>
-              </a:solidFill>
-            </a:endParaRPr>
-          </a:p>
-          <a:p>
-            <a:r>
-              <a:rPr lang="en-US" altLang="ja-JP" sz="1200">
-                <a:solidFill>
-                  <a:schemeClr val="bg1"/>
-                </a:solidFill>
-              </a:rPr>
-              <a:t>     -</a:t>
-            </a:r>
-            <a:r>
-              <a:rPr lang="en-US" altLang="ja-JP" sz="1200" smtClean="0">
-                <a:solidFill>
-                  <a:schemeClr val="bg1"/>
-                </a:solidFill>
-              </a:rPr>
-              <a:t>DartifactId=xlsbeans \</a:t>
-            </a:r>
-            <a:endParaRPr lang="en-US" altLang="ja-JP" sz="1200">
-              <a:solidFill>
-                <a:schemeClr val="bg1"/>
-              </a:solidFill>
-            </a:endParaRPr>
-          </a:p>
-          <a:p>
-            <a:r>
-              <a:rPr lang="en-US" altLang="ja-JP" sz="1200">
-                <a:solidFill>
-                  <a:schemeClr val="bg1"/>
-                </a:solidFill>
-              </a:rPr>
-              <a:t>     -</a:t>
-            </a:r>
-            <a:r>
-              <a:rPr lang="en-US" altLang="ja-JP" sz="1200" smtClean="0">
-                <a:solidFill>
-                  <a:schemeClr val="bg1"/>
-                </a:solidFill>
-              </a:rPr>
-              <a:t>Dversion=1.0-SNAPSHOT \</a:t>
-            </a:r>
-            <a:endParaRPr lang="en-US" altLang="ja-JP" sz="1200">
-              <a:solidFill>
-                <a:schemeClr val="bg1"/>
-              </a:solidFill>
-            </a:endParaRPr>
-          </a:p>
-          <a:p>
-            <a:r>
-              <a:rPr lang="en-US" altLang="ja-JP" sz="1200" smtClean="0">
-                <a:solidFill>
-                  <a:schemeClr val="bg1"/>
-                </a:solidFill>
-              </a:rPr>
-              <a:t>     </a:t>
-            </a:r>
-            <a:r>
-              <a:rPr lang="en-US" altLang="ja-JP" sz="1200">
-                <a:solidFill>
-                  <a:schemeClr val="bg1"/>
-                </a:solidFill>
-              </a:rPr>
-              <a:t>-</a:t>
-            </a:r>
-            <a:r>
-              <a:rPr lang="en-US" altLang="ja-JP" sz="1200" smtClean="0">
-                <a:solidFill>
-                  <a:schemeClr val="bg1"/>
-                </a:solidFill>
-              </a:rPr>
-              <a:t>Dpackage=jp.co.nttcom.eai.component.xlsbeans \</a:t>
-            </a:r>
-          </a:p>
-          <a:p>
-            <a:r>
-              <a:rPr lang="en-US" altLang="ja-JP" sz="1200">
-                <a:solidFill>
-                  <a:schemeClr val="bg1"/>
-                </a:solidFill>
-              </a:rPr>
-              <a:t> </a:t>
-            </a:r>
-            <a:r>
-              <a:rPr lang="en-US" altLang="ja-JP" sz="1200" smtClean="0">
-                <a:solidFill>
-                  <a:schemeClr val="bg1"/>
-                </a:solidFill>
-              </a:rPr>
-              <a:t>    -Dname=XLSBeans \</a:t>
-            </a:r>
-          </a:p>
-          <a:p>
-            <a:r>
-              <a:rPr lang="en-US" altLang="ja-JP" sz="1200">
-                <a:solidFill>
-                  <a:schemeClr val="bg1"/>
-                </a:solidFill>
-              </a:rPr>
-              <a:t> </a:t>
-            </a:r>
-            <a:r>
-              <a:rPr lang="en-US" altLang="ja-JP" sz="1200" smtClean="0">
-                <a:solidFill>
-                  <a:schemeClr val="bg1"/>
-                </a:solidFill>
-              </a:rPr>
-              <a:t>    -Dscheme=xlsbeans</a:t>
-            </a:r>
-            <a:endParaRPr kumimoji="1" lang="ja-JP" altLang="en-US" sz="1200"/>
+              <a:rPr lang="en-US" altLang="ja-JP" sz="1400"/>
+              <a:t> &lt;dependencies&gt;</a:t>
+            </a:r>
+          </a:p>
+          <a:p>
+            <a:r>
+              <a:rPr lang="en-US" altLang="ja-JP" sz="1400" smtClean="0"/>
+              <a:t>(snip)</a:t>
+            </a:r>
+          </a:p>
+          <a:p>
+            <a:r>
+              <a:rPr lang="en-US" altLang="ja-JP" sz="1400" b="1" smtClean="0"/>
+              <a:t>        </a:t>
+            </a:r>
+            <a:r>
+              <a:rPr lang="en-US" altLang="ja-JP" sz="1400" b="1"/>
+              <a:t>&lt;dependency&gt;</a:t>
+            </a:r>
+          </a:p>
+          <a:p>
+            <a:r>
+              <a:rPr lang="en-US" altLang="ja-JP" sz="1400" b="1"/>
+              <a:t>            &lt;groupId&gt;jp.sf.amateras.xlsbeans&lt;/groupId&gt;</a:t>
+            </a:r>
+          </a:p>
+          <a:p>
+            <a:r>
+              <a:rPr lang="en-US" altLang="ja-JP" sz="1400" b="1"/>
+              <a:t>            &lt;artifactId&gt;xlsbeans&lt;/artifactId&gt;</a:t>
+            </a:r>
+          </a:p>
+          <a:p>
+            <a:r>
+              <a:rPr lang="en-US" altLang="ja-JP" sz="1400" b="1"/>
+              <a:t>            &lt;</a:t>
+            </a:r>
+            <a:r>
+              <a:rPr lang="en-US" altLang="ja-JP" sz="1400" b="1" smtClean="0"/>
+              <a:t>version&gt;1.2.5&lt;/</a:t>
+            </a:r>
+            <a:r>
+              <a:rPr lang="en-US" altLang="ja-JP" sz="1400" b="1"/>
+              <a:t>version&gt;</a:t>
+            </a:r>
+          </a:p>
+          <a:p>
+            <a:r>
+              <a:rPr lang="en-US" altLang="ja-JP" sz="1400" b="1"/>
+              <a:t>        &lt;/dependency</a:t>
+            </a:r>
+            <a:r>
+              <a:rPr lang="en-US" altLang="ja-JP" sz="1400" b="1" smtClean="0"/>
+              <a:t>&gt;</a:t>
+            </a:r>
+          </a:p>
+          <a:p>
+            <a:r>
+              <a:rPr lang="en-US" altLang="ja-JP" sz="1400" smtClean="0"/>
+              <a:t>(snip)</a:t>
+            </a:r>
+          </a:p>
+          <a:p>
+            <a:r>
+              <a:rPr lang="en-US" altLang="ja-JP" sz="1400" smtClean="0"/>
+              <a:t> &lt;/dependencies&gt;</a:t>
+            </a:r>
+          </a:p>
+          <a:p>
+            <a:endParaRPr lang="en-US" altLang="ja-JP" sz="1400" b="1"/>
+          </a:p>
+          <a:p>
+            <a:r>
+              <a:rPr lang="en-US" altLang="ja-JP" sz="1400" b="1"/>
+              <a:t> &lt;repositories&gt;</a:t>
+            </a:r>
+          </a:p>
+          <a:p>
+            <a:r>
+              <a:rPr lang="en-US" altLang="ja-JP" sz="1400" b="1"/>
+              <a:t>        &lt;repository&gt;</a:t>
+            </a:r>
+          </a:p>
+          <a:p>
+            <a:r>
+              <a:rPr lang="en-US" altLang="ja-JP" sz="1400" b="1"/>
+              <a:t>            &lt;id&gt;amateras&lt;/id&gt;</a:t>
+            </a:r>
+          </a:p>
+          <a:p>
+            <a:r>
+              <a:rPr lang="en-US" altLang="ja-JP" sz="1400" b="1"/>
+              <a:t>            &lt;name&gt;Project Amateras Maven2 Repository&lt;/name&gt;</a:t>
+            </a:r>
+          </a:p>
+          <a:p>
+            <a:r>
+              <a:rPr lang="en-US" altLang="ja-JP" sz="1400" b="1"/>
+              <a:t>            &lt;url&gt;http://amateras.sourceforge.jp/mvn/&lt;/url&gt;</a:t>
+            </a:r>
+          </a:p>
+          <a:p>
+            <a:r>
+              <a:rPr lang="en-US" altLang="ja-JP" sz="1400" b="1"/>
+              <a:t>        &lt;/repository&gt;</a:t>
+            </a:r>
+          </a:p>
+          <a:p>
+            <a:r>
+              <a:rPr lang="en-US" altLang="ja-JP" sz="1400" b="1"/>
+              <a:t>   </a:t>
+            </a:r>
+            <a:r>
+              <a:rPr lang="en-US" altLang="ja-JP" sz="1400" b="1" smtClean="0"/>
+              <a:t>&lt;/</a:t>
+            </a:r>
+            <a:r>
+              <a:rPr lang="en-US" altLang="ja-JP" sz="1400" b="1"/>
+              <a:t>repositories</a:t>
+            </a:r>
+            <a:r>
+              <a:rPr lang="en-US" altLang="ja-JP" sz="1400" b="1" smtClean="0"/>
+              <a:t>&gt;</a:t>
+            </a:r>
+            <a:endParaRPr lang="en-US" altLang="ja-JP" sz="1400" b="1"/>
           </a:p>
         </p:txBody>
       </p:sp>
     </p:spTree>
     <p:extLst>
       <p:ext uri="{BB962C8B-B14F-4D97-AF65-F5344CB8AC3E}">
-        <p14:creationId xmlns:p14="http://schemas.microsoft.com/office/powerpoint/2010/main" val="24562976"/>
+        <p14:creationId xmlns:p14="http://schemas.microsoft.com/office/powerpoint/2010/main" val="672631742"/>
       </p:ext>
     </p:extLst>
   </p:cSld>

--- a/doc/Data Format Component.pptx
+++ b/doc/Data Format Component.pptx
@@ -27,7 +27,9 @@
     <p:sldId id="274" r:id="rId21"/>
     <p:sldId id="277" r:id="rId22"/>
     <p:sldId id="278" r:id="rId23"/>
-    <p:sldId id="271" r:id="rId24"/>
+    <p:sldId id="279" r:id="rId24"/>
+    <p:sldId id="280" r:id="rId25"/>
+    <p:sldId id="271" r:id="rId26"/>
   </p:sldIdLst>
   <p:sldSz cx="9144000" cy="6858000" type="screen4x3"/>
   <p:notesSz cx="6858000" cy="9144000"/>
@@ -323,7 +325,7 @@
           <a:p>
             <a:fld id="{D17348EB-A3B3-4BE7-9A25-0AE4DF42C254}" type="datetimeFigureOut">
               <a:rPr kumimoji="1" lang="ja-JP" altLang="en-US" smtClean="0"/>
-              <a:t>2014/7/17</a:t>
+              <a:t>2014/7/18</a:t>
             </a:fld>
             <a:endParaRPr kumimoji="1" lang="ja-JP" altLang="en-US"/>
           </a:p>
@@ -520,7 +522,7 @@
           <a:p>
             <a:fld id="{D17348EB-A3B3-4BE7-9A25-0AE4DF42C254}" type="datetimeFigureOut">
               <a:rPr kumimoji="1" lang="ja-JP" altLang="en-US" smtClean="0"/>
-              <a:t>2014/7/17</a:t>
+              <a:t>2014/7/18</a:t>
             </a:fld>
             <a:endParaRPr kumimoji="1" lang="ja-JP" altLang="en-US"/>
           </a:p>
@@ -727,7 +729,7 @@
           <a:p>
             <a:fld id="{D17348EB-A3B3-4BE7-9A25-0AE4DF42C254}" type="datetimeFigureOut">
               <a:rPr kumimoji="1" lang="ja-JP" altLang="en-US" smtClean="0"/>
-              <a:t>2014/7/17</a:t>
+              <a:t>2014/7/18</a:t>
             </a:fld>
             <a:endParaRPr kumimoji="1" lang="ja-JP" altLang="en-US"/>
           </a:p>
@@ -924,7 +926,7 @@
           <a:p>
             <a:fld id="{D17348EB-A3B3-4BE7-9A25-0AE4DF42C254}" type="datetimeFigureOut">
               <a:rPr kumimoji="1" lang="ja-JP" altLang="en-US" smtClean="0"/>
-              <a:t>2014/7/17</a:t>
+              <a:t>2014/7/18</a:t>
             </a:fld>
             <a:endParaRPr kumimoji="1" lang="ja-JP" altLang="en-US"/>
           </a:p>
@@ -1165,7 +1167,7 @@
           <a:p>
             <a:fld id="{D17348EB-A3B3-4BE7-9A25-0AE4DF42C254}" type="datetimeFigureOut">
               <a:rPr kumimoji="1" lang="ja-JP" altLang="en-US" smtClean="0"/>
-              <a:t>2014/7/17</a:t>
+              <a:t>2014/7/18</a:t>
             </a:fld>
             <a:endParaRPr kumimoji="1" lang="ja-JP" altLang="en-US"/>
           </a:p>
@@ -1512,7 +1514,7 @@
           <a:p>
             <a:fld id="{D17348EB-A3B3-4BE7-9A25-0AE4DF42C254}" type="datetimeFigureOut">
               <a:rPr kumimoji="1" lang="ja-JP" altLang="en-US" smtClean="0"/>
-              <a:t>2014/7/17</a:t>
+              <a:t>2014/7/18</a:t>
             </a:fld>
             <a:endParaRPr kumimoji="1" lang="ja-JP" altLang="en-US"/>
           </a:p>
@@ -2005,7 +2007,7 @@
           <a:p>
             <a:fld id="{D17348EB-A3B3-4BE7-9A25-0AE4DF42C254}" type="datetimeFigureOut">
               <a:rPr kumimoji="1" lang="ja-JP" altLang="en-US" smtClean="0"/>
-              <a:t>2014/7/17</a:t>
+              <a:t>2014/7/18</a:t>
             </a:fld>
             <a:endParaRPr kumimoji="1" lang="ja-JP" altLang="en-US"/>
           </a:p>
@@ -2118,7 +2120,7 @@
           <a:p>
             <a:fld id="{D17348EB-A3B3-4BE7-9A25-0AE4DF42C254}" type="datetimeFigureOut">
               <a:rPr kumimoji="1" lang="ja-JP" altLang="en-US" smtClean="0"/>
-              <a:t>2014/7/17</a:t>
+              <a:t>2014/7/18</a:t>
             </a:fld>
             <a:endParaRPr kumimoji="1" lang="ja-JP" altLang="en-US"/>
           </a:p>
@@ -2208,7 +2210,7 @@
           <a:p>
             <a:fld id="{D17348EB-A3B3-4BE7-9A25-0AE4DF42C254}" type="datetimeFigureOut">
               <a:rPr kumimoji="1" lang="ja-JP" altLang="en-US" smtClean="0"/>
-              <a:t>2014/7/17</a:t>
+              <a:t>2014/7/18</a:t>
             </a:fld>
             <a:endParaRPr kumimoji="1" lang="ja-JP" altLang="en-US"/>
           </a:p>
@@ -2397,7 +2399,7 @@
           <a:p>
             <a:fld id="{D17348EB-A3B3-4BE7-9A25-0AE4DF42C254}" type="datetimeFigureOut">
               <a:rPr kumimoji="1" lang="ja-JP" altLang="en-US" smtClean="0"/>
-              <a:t>2014/7/17</a:t>
+              <a:t>2014/7/18</a:t>
             </a:fld>
             <a:endParaRPr kumimoji="1" lang="ja-JP" altLang="en-US"/>
           </a:p>
@@ -2747,7 +2749,7 @@
           <a:p>
             <a:fld id="{D17348EB-A3B3-4BE7-9A25-0AE4DF42C254}" type="datetimeFigureOut">
               <a:rPr kumimoji="1" lang="ja-JP" altLang="en-US" smtClean="0"/>
-              <a:t>2014/7/17</a:t>
+              <a:t>2014/7/18</a:t>
             </a:fld>
             <a:endParaRPr kumimoji="1" lang="ja-JP" altLang="en-US"/>
           </a:p>
@@ -3158,7 +3160,7 @@
           <a:p>
             <a:fld id="{D17348EB-A3B3-4BE7-9A25-0AE4DF42C254}" type="datetimeFigureOut">
               <a:rPr kumimoji="1" lang="ja-JP" altLang="en-US" smtClean="0"/>
-              <a:t>2014/7/17</a:t>
+              <a:t>2014/7/18</a:t>
             </a:fld>
             <a:endParaRPr kumimoji="1" lang="ja-JP" altLang="en-US"/>
           </a:p>
@@ -3611,10 +3613,10 @@
           <a:lstStyle/>
           <a:p>
             <a:r>
-              <a:rPr lang="ja-JP" altLang="en-US"/>
+              <a:rPr lang="ja-JP" altLang="en-US" sz="4400"/>
               <a:t>ビルドの確認</a:t>
             </a:r>
-            <a:endParaRPr kumimoji="1" lang="ja-JP" altLang="en-US"/>
+            <a:endParaRPr kumimoji="1" lang="ja-JP" altLang="en-US" sz="4400"/>
           </a:p>
         </p:txBody>
       </p:sp>
@@ -3924,14 +3926,14 @@
           <a:lstStyle/>
           <a:p>
             <a:r>
-              <a:rPr lang="en-US" altLang="ja-JP" smtClean="0"/>
+              <a:rPr lang="en-US" altLang="ja-JP" sz="4400" smtClean="0"/>
               <a:t>DataFormat</a:t>
             </a:r>
             <a:r>
-              <a:rPr lang="ja-JP" altLang="en-US" smtClean="0"/>
+              <a:rPr lang="ja-JP" altLang="en-US" sz="4400" smtClean="0"/>
               <a:t>インタフェース</a:t>
             </a:r>
-            <a:endParaRPr kumimoji="1" lang="ja-JP" altLang="en-US"/>
+            <a:endParaRPr kumimoji="1" lang="ja-JP" altLang="en-US" sz="4400"/>
           </a:p>
         </p:txBody>
       </p:sp>
@@ -4228,14 +4230,14 @@
           <a:lstStyle/>
           <a:p>
             <a:r>
-              <a:rPr kumimoji="1" lang="en-US" altLang="ja-JP" smtClean="0"/>
+              <a:rPr kumimoji="1" lang="en-US" altLang="ja-JP" sz="4400" smtClean="0"/>
               <a:t>ServiceSupport</a:t>
             </a:r>
             <a:r>
-              <a:rPr kumimoji="1" lang="ja-JP" altLang="en-US" smtClean="0"/>
+              <a:rPr kumimoji="1" lang="ja-JP" altLang="en-US" sz="4400" smtClean="0"/>
               <a:t>クラス</a:t>
             </a:r>
-            <a:endParaRPr kumimoji="1" lang="ja-JP" altLang="en-US"/>
+            <a:endParaRPr kumimoji="1" lang="ja-JP" altLang="en-US" sz="4400"/>
           </a:p>
         </p:txBody>
       </p:sp>
@@ -4518,11 +4520,7 @@
             </a:r>
             <a:r>
               <a:rPr kumimoji="1" lang="ja-JP" altLang="en-US" smtClean="0"/>
-              <a:t>を</a:t>
-            </a:r>
-            <a:r>
-              <a:rPr kumimoji="1" lang="ja-JP" altLang="en-US" smtClean="0"/>
-              <a:t>インジェクト</a:t>
+              <a:t>をインジェクト</a:t>
             </a:r>
             <a:endParaRPr kumimoji="1" lang="en-US" altLang="ja-JP" smtClean="0"/>
           </a:p>
@@ -5346,10 +5344,10 @@
           <a:lstStyle/>
           <a:p>
             <a:r>
-              <a:rPr kumimoji="1" lang="ja-JP" altLang="en-US" smtClean="0"/>
+              <a:rPr kumimoji="1" lang="ja-JP" altLang="en-US" sz="4400" smtClean="0"/>
               <a:t>テストライブラリの追加</a:t>
             </a:r>
-            <a:endParaRPr kumimoji="1" lang="ja-JP" altLang="en-US"/>
+            <a:endParaRPr kumimoji="1" lang="ja-JP" altLang="en-US" sz="4400"/>
           </a:p>
         </p:txBody>
       </p:sp>
@@ -5550,18 +5548,18 @@
           <a:lstStyle/>
           <a:p>
             <a:r>
-              <a:rPr lang="ja-JP" altLang="en-US" smtClean="0"/>
+              <a:rPr lang="ja-JP" altLang="en-US" sz="4400" smtClean="0"/>
               <a:t>テスト資材の配置 （</a:t>
             </a:r>
             <a:r>
-              <a:rPr lang="en-US" altLang="ja-JP" smtClean="0"/>
+              <a:rPr lang="en-US" altLang="ja-JP" sz="4400" smtClean="0"/>
               <a:t>1</a:t>
             </a:r>
             <a:r>
-              <a:rPr lang="ja-JP" altLang="en-US" smtClean="0"/>
+              <a:rPr lang="ja-JP" altLang="en-US" sz="4400" smtClean="0"/>
               <a:t>）</a:t>
             </a:r>
-            <a:endParaRPr kumimoji="1" lang="ja-JP" altLang="en-US"/>
+            <a:endParaRPr kumimoji="1" lang="ja-JP" altLang="en-US" sz="4400"/>
           </a:p>
         </p:txBody>
       </p:sp>
@@ -5829,22 +5827,22 @@
           <a:lstStyle/>
           <a:p>
             <a:r>
-              <a:rPr lang="ja-JP" altLang="en-US"/>
+              <a:rPr lang="ja-JP" altLang="en-US" sz="4400"/>
               <a:t>テスト資材の配置 </a:t>
             </a:r>
             <a:r>
-              <a:rPr lang="ja-JP" altLang="en-US" smtClean="0"/>
+              <a:rPr lang="ja-JP" altLang="en-US" sz="4400" smtClean="0"/>
               <a:t>（</a:t>
             </a:r>
             <a:r>
-              <a:rPr lang="en-US" altLang="ja-JP" smtClean="0"/>
+              <a:rPr lang="en-US" altLang="ja-JP" sz="4400" smtClean="0"/>
               <a:t>2</a:t>
             </a:r>
             <a:r>
-              <a:rPr lang="ja-JP" altLang="en-US" smtClean="0"/>
+              <a:rPr lang="ja-JP" altLang="en-US" sz="4400" smtClean="0"/>
               <a:t>）</a:t>
             </a:r>
-            <a:endParaRPr kumimoji="1" lang="ja-JP" altLang="en-US"/>
+            <a:endParaRPr kumimoji="1" lang="ja-JP" altLang="en-US" sz="4400"/>
           </a:p>
         </p:txBody>
       </p:sp>
@@ -6241,22 +6239,22 @@
           <a:lstStyle/>
           <a:p>
             <a:r>
-              <a:rPr lang="ja-JP" altLang="en-US"/>
+              <a:rPr lang="ja-JP" altLang="en-US" sz="4400"/>
               <a:t>テスト資材の配置 </a:t>
             </a:r>
             <a:r>
-              <a:rPr lang="ja-JP" altLang="en-US" smtClean="0"/>
+              <a:rPr lang="ja-JP" altLang="en-US" sz="4400" smtClean="0"/>
               <a:t>（</a:t>
             </a:r>
             <a:r>
-              <a:rPr lang="en-US" altLang="ja-JP" smtClean="0"/>
+              <a:rPr lang="en-US" altLang="ja-JP" sz="4400" smtClean="0"/>
               <a:t>3</a:t>
             </a:r>
             <a:r>
-              <a:rPr lang="ja-JP" altLang="en-US" smtClean="0"/>
+              <a:rPr lang="ja-JP" altLang="en-US" sz="4400" smtClean="0"/>
               <a:t>）</a:t>
             </a:r>
-            <a:endParaRPr kumimoji="1" lang="ja-JP" altLang="en-US"/>
+            <a:endParaRPr kumimoji="1" lang="ja-JP" altLang="en-US" sz="4400"/>
           </a:p>
         </p:txBody>
       </p:sp>
@@ -6551,10 +6549,10 @@
           <a:lstStyle/>
           <a:p>
             <a:r>
-              <a:rPr lang="ja-JP" altLang="en-US"/>
+              <a:rPr lang="ja-JP" altLang="en-US" sz="4400"/>
               <a:t>概要</a:t>
             </a:r>
-            <a:endParaRPr kumimoji="1" lang="ja-JP" altLang="en-US"/>
+            <a:endParaRPr kumimoji="1" lang="ja-JP" altLang="en-US" sz="4400"/>
           </a:p>
         </p:txBody>
       </p:sp>
@@ -6702,14 +6700,14 @@
           <a:lstStyle/>
           <a:p>
             <a:r>
-              <a:rPr lang="ja-JP" altLang="en-US"/>
+              <a:rPr lang="ja-JP" altLang="en-US" sz="4400"/>
               <a:t>テスト</a:t>
             </a:r>
             <a:r>
-              <a:rPr lang="ja-JP" altLang="en-US" smtClean="0"/>
+              <a:rPr lang="ja-JP" altLang="en-US" sz="4400" smtClean="0"/>
               <a:t>するルートの作成</a:t>
             </a:r>
-            <a:endParaRPr kumimoji="1" lang="ja-JP" altLang="en-US"/>
+            <a:endParaRPr kumimoji="1" lang="ja-JP" altLang="en-US" sz="4400"/>
           </a:p>
         </p:txBody>
       </p:sp>
@@ -7007,18 +7005,18 @@
           <a:lstStyle/>
           <a:p>
             <a:r>
-              <a:rPr lang="ja-JP" altLang="en-US" smtClean="0"/>
+              <a:rPr lang="ja-JP" altLang="en-US" sz="4400" smtClean="0"/>
               <a:t>テストクラスの作成（</a:t>
             </a:r>
             <a:r>
-              <a:rPr lang="en-US" altLang="ja-JP" smtClean="0"/>
+              <a:rPr lang="en-US" altLang="ja-JP" sz="4400" smtClean="0"/>
               <a:t>1</a:t>
             </a:r>
             <a:r>
-              <a:rPr lang="ja-JP" altLang="en-US" smtClean="0"/>
+              <a:rPr lang="ja-JP" altLang="en-US" sz="4400" smtClean="0"/>
               <a:t>）</a:t>
             </a:r>
-            <a:endParaRPr kumimoji="1" lang="ja-JP" altLang="en-US"/>
+            <a:endParaRPr kumimoji="1" lang="ja-JP" altLang="en-US" sz="4400"/>
           </a:p>
         </p:txBody>
       </p:sp>
@@ -7408,22 +7406,22 @@
           <a:lstStyle/>
           <a:p>
             <a:r>
-              <a:rPr lang="ja-JP" altLang="en-US"/>
+              <a:rPr lang="ja-JP" altLang="en-US" sz="4400"/>
               <a:t>テストクラスの作成</a:t>
             </a:r>
             <a:r>
-              <a:rPr lang="ja-JP" altLang="en-US" smtClean="0"/>
+              <a:rPr lang="ja-JP" altLang="en-US" sz="4400" smtClean="0"/>
               <a:t>（</a:t>
             </a:r>
             <a:r>
-              <a:rPr lang="en-US" altLang="ja-JP" smtClean="0"/>
+              <a:rPr lang="en-US" altLang="ja-JP" sz="4400" smtClean="0"/>
               <a:t>2</a:t>
             </a:r>
             <a:r>
-              <a:rPr lang="ja-JP" altLang="en-US" smtClean="0"/>
+              <a:rPr lang="ja-JP" altLang="en-US" sz="4400" smtClean="0"/>
               <a:t>）</a:t>
             </a:r>
-            <a:endParaRPr kumimoji="1" lang="ja-JP" altLang="en-US"/>
+            <a:endParaRPr kumimoji="1" lang="ja-JP" altLang="en-US" sz="4400"/>
           </a:p>
         </p:txBody>
       </p:sp>
@@ -7823,6 +7821,687 @@
           <a:lstStyle/>
           <a:p>
             <a:r>
+              <a:rPr lang="ja-JP" altLang="en-US" sz="4400" smtClean="0"/>
+              <a:t>演習</a:t>
+            </a:r>
+            <a:r>
+              <a:rPr lang="en-US" altLang="ja-JP" sz="4400" smtClean="0"/>
+              <a:t>1 Excel</a:t>
+            </a:r>
+            <a:r>
+              <a:rPr lang="ja-JP" altLang="en-US" sz="4400" smtClean="0"/>
+              <a:t>形式の指定</a:t>
+            </a:r>
+            <a:endParaRPr kumimoji="1" lang="ja-JP" altLang="en-US" sz="4400"/>
+          </a:p>
+        </p:txBody>
+      </p:sp>
+      <p:sp>
+        <p:nvSpPr>
+          <p:cNvPr id="3" name="コンテンツ プレースホルダー 2"/>
+          <p:cNvSpPr>
+            <a:spLocks noGrp="1"/>
+          </p:cNvSpPr>
+          <p:nvPr>
+            <p:ph idx="1"/>
+          </p:nvPr>
+        </p:nvSpPr>
+        <p:spPr>
+          <a:xfrm>
+            <a:off x="457200" y="1600200"/>
+            <a:ext cx="7620000" cy="2332856"/>
+          </a:xfrm>
+        </p:spPr>
+        <p:txBody>
+          <a:bodyPr/>
+          <a:lstStyle/>
+          <a:p>
+            <a:r>
+              <a:rPr kumimoji="1" lang="ja-JP" altLang="en-US" smtClean="0"/>
+              <a:t>入力の</a:t>
+            </a:r>
+            <a:r>
+              <a:rPr kumimoji="1" lang="en-US" altLang="ja-JP" smtClean="0"/>
+              <a:t>Excel</a:t>
+            </a:r>
+            <a:r>
+              <a:rPr kumimoji="1" lang="ja-JP" altLang="en-US" smtClean="0"/>
+              <a:t>形式</a:t>
+            </a:r>
+            <a:r>
+              <a:rPr kumimoji="1" lang="en-US" altLang="ja-JP" smtClean="0"/>
+              <a:t>(bookType)</a:t>
+            </a:r>
+            <a:r>
+              <a:rPr kumimoji="1" lang="ja-JP" altLang="en-US" smtClean="0"/>
+              <a:t>を選択可能とする。</a:t>
+            </a:r>
+            <a:endParaRPr kumimoji="1" lang="en-US" altLang="ja-JP" smtClean="0"/>
+          </a:p>
+          <a:p>
+            <a:pPr lvl="1"/>
+            <a:r>
+              <a:rPr lang="ja-JP" altLang="en-US" smtClean="0"/>
+              <a:t>“</a:t>
+            </a:r>
+            <a:r>
+              <a:rPr lang="en-US" altLang="ja-JP" smtClean="0"/>
+              <a:t>HSSF” Excel 2003</a:t>
+            </a:r>
+            <a:r>
+              <a:rPr lang="ja-JP" altLang="en-US" smtClean="0"/>
+              <a:t>形式 拡張子 </a:t>
+            </a:r>
+            <a:r>
+              <a:rPr lang="en-US" altLang="ja-JP" smtClean="0"/>
+              <a:t>.xls  (Apache POI)</a:t>
+            </a:r>
+          </a:p>
+          <a:p>
+            <a:pPr lvl="1"/>
+            <a:r>
+              <a:rPr kumimoji="1" lang="en-US" altLang="ja-JP" smtClean="0"/>
+              <a:t>“XSSF” Excel 2007</a:t>
+            </a:r>
+            <a:r>
+              <a:rPr kumimoji="1" lang="ja-JP" altLang="en-US" smtClean="0"/>
+              <a:t>形式 拡張子 </a:t>
+            </a:r>
+            <a:r>
+              <a:rPr kumimoji="1" lang="en-US" altLang="ja-JP" smtClean="0"/>
+              <a:t>.xlsx (Apache POI)</a:t>
+            </a:r>
+          </a:p>
+          <a:p>
+            <a:pPr lvl="1"/>
+            <a:r>
+              <a:rPr lang="en-US" altLang="ja-JP" smtClean="0"/>
+              <a:t>“JXL”   Excel 2003</a:t>
+            </a:r>
+            <a:r>
+              <a:rPr lang="ja-JP" altLang="en-US" smtClean="0"/>
+              <a:t>形式 拡張子 </a:t>
+            </a:r>
+            <a:r>
+              <a:rPr lang="en-US" altLang="ja-JP" smtClean="0"/>
+              <a:t>.xls  (Java Excel API) </a:t>
+            </a:r>
+            <a:endParaRPr kumimoji="1" lang="ja-JP" altLang="en-US"/>
+          </a:p>
+        </p:txBody>
+      </p:sp>
+      <p:sp>
+        <p:nvSpPr>
+          <p:cNvPr id="4" name="テキスト ボックス 3"/>
+          <p:cNvSpPr txBox="1"/>
+          <p:nvPr/>
+        </p:nvSpPr>
+        <p:spPr>
+          <a:xfrm>
+            <a:off x="467544" y="3414479"/>
+            <a:ext cx="7704856" cy="2246769"/>
+          </a:xfrm>
+          <a:prstGeom prst="rect">
+            <a:avLst/>
+          </a:prstGeom>
+          <a:noFill/>
+          <a:ln>
+            <a:noFill/>
+          </a:ln>
+        </p:spPr>
+        <p:txBody>
+          <a:bodyPr wrap="square" rtlCol="0">
+            <a:spAutoFit/>
+          </a:bodyPr>
+          <a:lstStyle/>
+          <a:p>
+            <a:endParaRPr lang="en-US" altLang="ja-JP" sz="1400"/>
+          </a:p>
+          <a:p>
+            <a:r>
+              <a:rPr lang="en-US" altLang="ja-JP" sz="1400" smtClean="0"/>
+              <a:t>    @</a:t>
+            </a:r>
+            <a:r>
+              <a:rPr lang="en-US" altLang="ja-JP" sz="1400"/>
+              <a:t>Override</a:t>
+            </a:r>
+          </a:p>
+          <a:p>
+            <a:r>
+              <a:rPr lang="en-US" altLang="ja-JP" sz="1400"/>
+              <a:t>    public Object unmarshal(Exchange exchange, InputStream stream) </a:t>
+            </a:r>
+            <a:endParaRPr lang="en-US" altLang="ja-JP" sz="1400" smtClean="0"/>
+          </a:p>
+          <a:p>
+            <a:r>
+              <a:rPr lang="en-US" altLang="ja-JP" sz="1400"/>
+              <a:t> </a:t>
+            </a:r>
+            <a:r>
+              <a:rPr lang="en-US" altLang="ja-JP" sz="1400" smtClean="0"/>
+              <a:t>       throws </a:t>
+            </a:r>
+            <a:r>
+              <a:rPr lang="en-US" altLang="ja-JP" sz="1400"/>
+              <a:t>Exception </a:t>
+            </a:r>
+            <a:r>
+              <a:rPr lang="en-US" altLang="ja-JP" sz="1400" smtClean="0"/>
+              <a:t>{</a:t>
+            </a:r>
+          </a:p>
+          <a:p>
+            <a:endParaRPr lang="en-US" altLang="ja-JP" sz="1400" smtClean="0"/>
+          </a:p>
+          <a:p>
+            <a:r>
+              <a:rPr lang="en-US" altLang="ja-JP" sz="1400" b="1"/>
+              <a:t> </a:t>
+            </a:r>
+            <a:r>
+              <a:rPr lang="en-US" altLang="ja-JP" sz="1400" b="1" smtClean="0"/>
+              <a:t>        // XLSX</a:t>
+            </a:r>
+            <a:r>
+              <a:rPr lang="ja-JP" altLang="en-US" sz="1400" b="1" smtClean="0"/>
+              <a:t>形式のみ対応</a:t>
+            </a:r>
+            <a:r>
+              <a:rPr lang="en-US" altLang="ja-JP" sz="1400" b="1" smtClean="0"/>
+              <a:t>(</a:t>
+            </a:r>
+            <a:r>
+              <a:rPr lang="ja-JP" altLang="en-US" sz="1400" b="1" smtClean="0"/>
+              <a:t>固定</a:t>
+            </a:r>
+            <a:r>
+              <a:rPr lang="en-US" altLang="ja-JP" sz="1400" b="1" smtClean="0"/>
+              <a:t>)</a:t>
+            </a:r>
+            <a:endParaRPr lang="en-US" altLang="ja-JP" sz="1400" b="1"/>
+          </a:p>
+          <a:p>
+            <a:r>
+              <a:rPr lang="en-US" altLang="ja-JP" sz="1400" b="1"/>
+              <a:t>        return xlsBeans.load(stream, objectType, WorkbookFinder.TYPE_XSSF);</a:t>
+            </a:r>
+          </a:p>
+          <a:p>
+            <a:r>
+              <a:rPr lang="en-US" altLang="ja-JP" sz="1400"/>
+              <a:t>    </a:t>
+            </a:r>
+            <a:r>
+              <a:rPr lang="en-US" altLang="ja-JP" sz="1400" smtClean="0"/>
+              <a:t>}</a:t>
+            </a:r>
+            <a:endParaRPr lang="en-US" altLang="ja-JP" sz="1400"/>
+          </a:p>
+          <a:p>
+            <a:r>
+              <a:rPr lang="en-US" altLang="ja-JP" sz="1400"/>
+              <a:t>}</a:t>
+            </a:r>
+          </a:p>
+          <a:p>
+            <a:r>
+              <a:rPr lang="en-US" altLang="ja-JP" sz="1400" smtClean="0"/>
+              <a:t>    </a:t>
+            </a:r>
+            <a:endParaRPr lang="en-US" altLang="ja-JP" sz="1400"/>
+          </a:p>
+        </p:txBody>
+      </p:sp>
+      <p:sp>
+        <p:nvSpPr>
+          <p:cNvPr id="5" name="正方形/長方形 4"/>
+          <p:cNvSpPr/>
+          <p:nvPr/>
+        </p:nvSpPr>
+        <p:spPr>
+          <a:xfrm>
+            <a:off x="4427984" y="4581128"/>
+            <a:ext cx="2376264" cy="432048"/>
+          </a:xfrm>
+          <a:prstGeom prst="rect">
+            <a:avLst/>
+          </a:prstGeom>
+          <a:noFill/>
+        </p:spPr>
+        <p:style>
+          <a:lnRef idx="2">
+            <a:schemeClr val="accent1">
+              <a:shade val="50000"/>
+            </a:schemeClr>
+          </a:lnRef>
+          <a:fillRef idx="1">
+            <a:schemeClr val="accent1"/>
+          </a:fillRef>
+          <a:effectRef idx="0">
+            <a:schemeClr val="accent1"/>
+          </a:effectRef>
+          <a:fontRef idx="minor">
+            <a:schemeClr val="lt1"/>
+          </a:fontRef>
+        </p:style>
+        <p:txBody>
+          <a:bodyPr rtlCol="0" anchor="ctr"/>
+          <a:lstStyle/>
+          <a:p>
+            <a:pPr algn="ctr"/>
+            <a:endParaRPr kumimoji="1" lang="ja-JP" altLang="en-US"/>
+          </a:p>
+        </p:txBody>
+      </p:sp>
+      <p:sp>
+        <p:nvSpPr>
+          <p:cNvPr id="6" name="角丸四角形吹き出し 5"/>
+          <p:cNvSpPr/>
+          <p:nvPr/>
+        </p:nvSpPr>
+        <p:spPr>
+          <a:xfrm>
+            <a:off x="5940152" y="3429000"/>
+            <a:ext cx="2808312" cy="1051376"/>
+          </a:xfrm>
+          <a:prstGeom prst="wedgeRoundRectCallout">
+            <a:avLst>
+              <a:gd name="adj1" fmla="val -33532"/>
+              <a:gd name="adj2" fmla="val 65050"/>
+              <a:gd name="adj3" fmla="val 16667"/>
+            </a:avLst>
+          </a:prstGeom>
+        </p:spPr>
+        <p:style>
+          <a:lnRef idx="2">
+            <a:schemeClr val="accent1">
+              <a:shade val="50000"/>
+            </a:schemeClr>
+          </a:lnRef>
+          <a:fillRef idx="1">
+            <a:schemeClr val="accent1"/>
+          </a:fillRef>
+          <a:effectRef idx="0">
+            <a:schemeClr val="accent1"/>
+          </a:effectRef>
+          <a:fontRef idx="minor">
+            <a:schemeClr val="lt1"/>
+          </a:fontRef>
+        </p:style>
+        <p:txBody>
+          <a:bodyPr rtlCol="0" anchor="ctr"/>
+          <a:lstStyle/>
+          <a:p>
+            <a:pPr algn="ctr"/>
+            <a:r>
+              <a:rPr kumimoji="1" lang="ja-JP" altLang="en-US" smtClean="0"/>
+              <a:t>ここを設定可能とする</a:t>
+            </a:r>
+            <a:endParaRPr kumimoji="1" lang="ja-JP" altLang="en-US"/>
+          </a:p>
+        </p:txBody>
+      </p:sp>
+    </p:spTree>
+    <p:extLst>
+      <p:ext uri="{BB962C8B-B14F-4D97-AF65-F5344CB8AC3E}">
+        <p14:creationId xmlns:p14="http://schemas.microsoft.com/office/powerpoint/2010/main" val="1241110636"/>
+      </p:ext>
+    </p:extLst>
+  </p:cSld>
+  <p:clrMapOvr>
+    <a:masterClrMapping/>
+  </p:clrMapOvr>
+</p:sld>
+</file>
+
+<file path=ppt/slides/slide24.xml><?xml version="1.0" encoding="utf-8"?>
+<p:sld xmlns:a="http://schemas.openxmlformats.org/drawingml/2006/main" xmlns:r="http://schemas.openxmlformats.org/officeDocument/2006/relationships" xmlns:p="http://schemas.openxmlformats.org/presentationml/2006/main">
+  <p:cSld>
+    <p:spTree>
+      <p:nvGrpSpPr>
+        <p:cNvPr id="1" name=""/>
+        <p:cNvGrpSpPr/>
+        <p:nvPr/>
+      </p:nvGrpSpPr>
+      <p:grpSpPr>
+        <a:xfrm>
+          <a:off x="0" y="0"/>
+          <a:ext cx="0" cy="0"/>
+          <a:chOff x="0" y="0"/>
+          <a:chExt cx="0" cy="0"/>
+        </a:xfrm>
+      </p:grpSpPr>
+      <p:sp>
+        <p:nvSpPr>
+          <p:cNvPr id="2" name="タイトル 1"/>
+          <p:cNvSpPr>
+            <a:spLocks noGrp="1"/>
+          </p:cNvSpPr>
+          <p:nvPr>
+            <p:ph type="title"/>
+          </p:nvPr>
+        </p:nvSpPr>
+        <p:spPr/>
+        <p:txBody>
+          <a:bodyPr/>
+          <a:lstStyle/>
+          <a:p>
+            <a:r>
+              <a:rPr lang="ja-JP" altLang="en-US" sz="4000" smtClean="0"/>
+              <a:t>演習</a:t>
+            </a:r>
+            <a:r>
+              <a:rPr lang="en-US" altLang="ja-JP" sz="4000" smtClean="0"/>
+              <a:t>2</a:t>
+            </a:r>
+            <a:r>
+              <a:rPr lang="ja-JP" altLang="en-US" sz="4000"/>
+              <a:t> </a:t>
+            </a:r>
+            <a:r>
+              <a:rPr lang="en-US" altLang="ja-JP" sz="4000" smtClean="0"/>
+              <a:t>XLSBeansConfig </a:t>
+            </a:r>
+            <a:endParaRPr kumimoji="1" lang="ja-JP" altLang="en-US" sz="4000"/>
+          </a:p>
+        </p:txBody>
+      </p:sp>
+      <p:sp>
+        <p:nvSpPr>
+          <p:cNvPr id="3" name="コンテンツ プレースホルダー 2"/>
+          <p:cNvSpPr>
+            <a:spLocks noGrp="1"/>
+          </p:cNvSpPr>
+          <p:nvPr>
+            <p:ph idx="1"/>
+          </p:nvPr>
+        </p:nvSpPr>
+        <p:spPr>
+          <a:xfrm>
+            <a:off x="457200" y="1600200"/>
+            <a:ext cx="7620000" cy="892696"/>
+          </a:xfrm>
+        </p:spPr>
+        <p:txBody>
+          <a:bodyPr/>
+          <a:lstStyle/>
+          <a:p>
+            <a:r>
+              <a:rPr lang="ja-JP" altLang="en-US" smtClean="0"/>
+              <a:t>読み込んだ文字列のトリムなど、読み込み時の動作をカスタマイズ可能とする</a:t>
+            </a:r>
+            <a:endParaRPr kumimoji="1" lang="ja-JP" altLang="en-US"/>
+          </a:p>
+        </p:txBody>
+      </p:sp>
+      <p:sp>
+        <p:nvSpPr>
+          <p:cNvPr id="4" name="テキスト ボックス 3"/>
+          <p:cNvSpPr txBox="1"/>
+          <p:nvPr/>
+        </p:nvSpPr>
+        <p:spPr>
+          <a:xfrm>
+            <a:off x="395536" y="2564904"/>
+            <a:ext cx="7704856" cy="1384995"/>
+          </a:xfrm>
+          <a:prstGeom prst="rect">
+            <a:avLst/>
+          </a:prstGeom>
+          <a:noFill/>
+          <a:ln>
+            <a:noFill/>
+          </a:ln>
+        </p:spPr>
+        <p:txBody>
+          <a:bodyPr wrap="square" rtlCol="0">
+            <a:spAutoFit/>
+          </a:bodyPr>
+          <a:lstStyle/>
+          <a:p>
+            <a:r>
+              <a:rPr lang="en-US" altLang="ja-JP" sz="1400" smtClean="0"/>
+              <a:t>XLSBeans xlsBeans = new XLSBeans();</a:t>
+            </a:r>
+          </a:p>
+          <a:p>
+            <a:r>
+              <a:rPr lang="en-US" altLang="ja-JP" sz="1400" smtClean="0"/>
+              <a:t>// </a:t>
+            </a:r>
+            <a:r>
+              <a:rPr lang="ja-JP" altLang="en-US" sz="1400" smtClean="0"/>
+              <a:t>読み込み時の動作を設定する情報</a:t>
+            </a:r>
+            <a:endParaRPr lang="en-US" altLang="ja-JP" sz="1400"/>
+          </a:p>
+          <a:p>
+            <a:r>
+              <a:rPr lang="en-US" altLang="ja-JP" sz="1400" smtClean="0"/>
+              <a:t>XLSBeansConfig config = new XLSBeansConfig();</a:t>
+            </a:r>
+          </a:p>
+          <a:p>
+            <a:r>
+              <a:rPr lang="en-US" altLang="ja-JP" sz="1400" smtClean="0"/>
+              <a:t>// </a:t>
+            </a:r>
+            <a:r>
+              <a:rPr lang="ja-JP" altLang="en-US" sz="1400" smtClean="0"/>
+              <a:t>文字列を</a:t>
+            </a:r>
+            <a:r>
+              <a:rPr lang="en-US" altLang="ja-JP" sz="1400" smtClean="0"/>
+              <a:t>trim</a:t>
+            </a:r>
+          </a:p>
+          <a:p>
+            <a:r>
+              <a:rPr lang="en-US" altLang="ja-JP" sz="1400" smtClean="0"/>
+              <a:t>config.setTrimText(trim);</a:t>
+            </a:r>
+            <a:endParaRPr lang="en-US" altLang="ja-JP" sz="1400"/>
+          </a:p>
+          <a:p>
+            <a:r>
+              <a:rPr lang="en-US" altLang="ja-JP" sz="1400" smtClean="0"/>
+              <a:t>xlsBeans.setConfig(config);</a:t>
+            </a:r>
+            <a:r>
+              <a:rPr lang="en-US" altLang="ja-JP" sz="1400" smtClean="0"/>
+              <a:t>    </a:t>
+            </a:r>
+            <a:endParaRPr lang="en-US" altLang="ja-JP" sz="1400"/>
+          </a:p>
+        </p:txBody>
+      </p:sp>
+      <p:sp>
+        <p:nvSpPr>
+          <p:cNvPr id="5" name="テキスト ボックス 4"/>
+          <p:cNvSpPr txBox="1"/>
+          <p:nvPr/>
+        </p:nvSpPr>
+        <p:spPr>
+          <a:xfrm>
+            <a:off x="179512" y="4149080"/>
+            <a:ext cx="7704856" cy="2462213"/>
+          </a:xfrm>
+          <a:prstGeom prst="rect">
+            <a:avLst/>
+          </a:prstGeom>
+          <a:noFill/>
+          <a:ln>
+            <a:noFill/>
+          </a:ln>
+        </p:spPr>
+        <p:txBody>
+          <a:bodyPr wrap="square" rtlCol="0">
+            <a:spAutoFit/>
+          </a:bodyPr>
+          <a:lstStyle/>
+          <a:p>
+            <a:r>
+              <a:rPr lang="en-US" altLang="ja-JP" sz="1400"/>
+              <a:t> </a:t>
+            </a:r>
+            <a:r>
+              <a:rPr lang="ja-JP" altLang="en-US" sz="1400"/>
+              <a:t> </a:t>
+            </a:r>
+            <a:r>
+              <a:rPr lang="ja-JP" altLang="en-US" sz="1400" smtClean="0"/>
+              <a:t>  </a:t>
+            </a:r>
+            <a:r>
+              <a:rPr lang="en-US" altLang="ja-JP" sz="1400" smtClean="0"/>
+              <a:t>&lt;</a:t>
+            </a:r>
+            <a:r>
+              <a:rPr lang="en-US" altLang="ja-JP" sz="1400"/>
+              <a:t>bean id="xlsBeansDataFormat</a:t>
+            </a:r>
+            <a:r>
+              <a:rPr lang="en-US" altLang="ja-JP" sz="1400"/>
+              <a:t>" </a:t>
+            </a:r>
+            <a:endParaRPr lang="en-US" altLang="ja-JP" sz="1400" smtClean="0"/>
+          </a:p>
+          <a:p>
+            <a:r>
+              <a:rPr lang="en-US" altLang="ja-JP" sz="1400"/>
+              <a:t> </a:t>
+            </a:r>
+            <a:r>
+              <a:rPr lang="en-US" altLang="ja-JP" sz="1400" smtClean="0"/>
+              <a:t>                class=“jp.co.nttcom.eai.component.xlsbeans.XLSBeansDataFormat</a:t>
+            </a:r>
+            <a:r>
+              <a:rPr lang="en-US" altLang="ja-JP" sz="1400"/>
+              <a:t>" &gt;</a:t>
+            </a:r>
+          </a:p>
+          <a:p>
+            <a:r>
+              <a:rPr lang="en-US" altLang="ja-JP" sz="1400"/>
+              <a:t>        &lt;property name="objectType</a:t>
+            </a:r>
+            <a:r>
+              <a:rPr lang="en-US" altLang="ja-JP" sz="1400"/>
+              <a:t>" </a:t>
+            </a:r>
+            <a:endParaRPr lang="en-US" altLang="ja-JP" sz="1400" smtClean="0"/>
+          </a:p>
+          <a:p>
+            <a:r>
+              <a:rPr lang="en-US" altLang="ja-JP" sz="1400"/>
+              <a:t> </a:t>
+            </a:r>
+            <a:r>
+              <a:rPr lang="en-US" altLang="ja-JP" sz="1400" smtClean="0"/>
+              <a:t>                          value=“jp.co.nttcom.eai.component.xlsbeans.UserList</a:t>
+            </a:r>
+            <a:r>
+              <a:rPr lang="en-US" altLang="ja-JP" sz="1400"/>
+              <a:t>" /&gt;</a:t>
+            </a:r>
+          </a:p>
+          <a:p>
+            <a:r>
+              <a:rPr lang="en-US" altLang="ja-JP" sz="1400"/>
+              <a:t>        &lt;property name="bookType" value="XSSF" /&gt;</a:t>
+            </a:r>
+          </a:p>
+          <a:p>
+            <a:r>
+              <a:rPr lang="en-US" altLang="ja-JP" sz="1400"/>
+              <a:t>        </a:t>
+            </a:r>
+            <a:r>
+              <a:rPr lang="en-US" altLang="ja-JP" sz="1400" b="1"/>
+              <a:t>&lt;property name="config" ref="config" /&gt;</a:t>
+            </a:r>
+          </a:p>
+          <a:p>
+            <a:r>
+              <a:rPr lang="en-US" altLang="ja-JP" sz="1400"/>
+              <a:t>    &lt;/bean&gt;</a:t>
+            </a:r>
+          </a:p>
+          <a:p>
+            <a:r>
+              <a:rPr lang="en-US" altLang="ja-JP" sz="1400"/>
+              <a:t>    </a:t>
+            </a:r>
+          </a:p>
+          <a:p>
+            <a:r>
+              <a:rPr lang="en-US" altLang="ja-JP" sz="1400" b="1"/>
+              <a:t>    &lt;bean id="config" class="net.java.amateras.xlsbeans.XLSBeansConfig" &gt;</a:t>
+            </a:r>
+          </a:p>
+          <a:p>
+            <a:r>
+              <a:rPr lang="en-US" altLang="ja-JP" sz="1400" b="1"/>
+              <a:t>        &lt;property name="trimText" value="true" /&gt;</a:t>
+            </a:r>
+          </a:p>
+          <a:p>
+            <a:r>
+              <a:rPr lang="en-US" altLang="ja-JP" sz="1400" b="1"/>
+              <a:t>    &lt;/bean&gt;</a:t>
+            </a:r>
+            <a:endParaRPr lang="en-US" altLang="ja-JP" sz="1400" b="1"/>
+          </a:p>
+        </p:txBody>
+      </p:sp>
+    </p:spTree>
+    <p:extLst>
+      <p:ext uri="{BB962C8B-B14F-4D97-AF65-F5344CB8AC3E}">
+        <p14:creationId xmlns:p14="http://schemas.microsoft.com/office/powerpoint/2010/main" val="3147403572"/>
+      </p:ext>
+    </p:extLst>
+  </p:cSld>
+  <p:clrMapOvr>
+    <a:masterClrMapping/>
+  </p:clrMapOvr>
+</p:sld>
+</file>
+
+<file path=ppt/slides/slide25.xml><?xml version="1.0" encoding="utf-8"?>
+<p:sld xmlns:a="http://schemas.openxmlformats.org/drawingml/2006/main" xmlns:r="http://schemas.openxmlformats.org/officeDocument/2006/relationships" xmlns:p="http://schemas.openxmlformats.org/presentationml/2006/main">
+  <p:cSld>
+    <p:spTree>
+      <p:nvGrpSpPr>
+        <p:cNvPr id="1" name=""/>
+        <p:cNvGrpSpPr/>
+        <p:nvPr/>
+      </p:nvGrpSpPr>
+      <p:grpSpPr>
+        <a:xfrm>
+          <a:off x="0" y="0"/>
+          <a:ext cx="0" cy="0"/>
+          <a:chOff x="0" y="0"/>
+          <a:chExt cx="0" cy="0"/>
+        </a:xfrm>
+      </p:grpSpPr>
+      <p:sp>
+        <p:nvSpPr>
+          <p:cNvPr id="2" name="タイトル 1"/>
+          <p:cNvSpPr>
+            <a:spLocks noGrp="1"/>
+          </p:cNvSpPr>
+          <p:nvPr>
+            <p:ph type="title"/>
+          </p:nvPr>
+        </p:nvSpPr>
+        <p:spPr/>
+        <p:txBody>
+          <a:bodyPr/>
+          <a:lstStyle/>
+          <a:p>
+            <a:r>
               <a:rPr lang="ja-JP" altLang="en-US" smtClean="0"/>
               <a:t>モデラーでのコンポーネント</a:t>
             </a:r>
@@ -8287,14 +8966,14 @@
           <a:lstStyle/>
           <a:p>
             <a:r>
-              <a:rPr kumimoji="1" lang="en-US" altLang="ja-JP" smtClean="0"/>
+              <a:rPr kumimoji="1" lang="en-US" altLang="ja-JP" sz="4400" smtClean="0"/>
               <a:t>Data Format</a:t>
             </a:r>
             <a:r>
-              <a:rPr kumimoji="1" lang="ja-JP" altLang="en-US" smtClean="0"/>
+              <a:rPr kumimoji="1" lang="ja-JP" altLang="en-US" sz="4400" smtClean="0"/>
               <a:t>とは</a:t>
             </a:r>
-            <a:endParaRPr kumimoji="1" lang="ja-JP" altLang="en-US"/>
+            <a:endParaRPr kumimoji="1" lang="ja-JP" altLang="en-US" sz="4400"/>
           </a:p>
         </p:txBody>
       </p:sp>
@@ -8493,10 +9172,10 @@
           <a:lstStyle/>
           <a:p>
             <a:r>
-              <a:rPr kumimoji="1" lang="ja-JP" altLang="en-US" smtClean="0"/>
+              <a:rPr kumimoji="1" lang="ja-JP" altLang="en-US" sz="4400" smtClean="0"/>
               <a:t>使用例</a:t>
             </a:r>
-            <a:endParaRPr kumimoji="1" lang="ja-JP" altLang="en-US"/>
+            <a:endParaRPr kumimoji="1" lang="ja-JP" altLang="en-US" sz="4400"/>
           </a:p>
         </p:txBody>
       </p:sp>
@@ -9228,14 +9907,14 @@
           <a:lstStyle/>
           <a:p>
             <a:r>
-              <a:rPr kumimoji="1" lang="en-US" altLang="ja-JP" smtClean="0"/>
+              <a:rPr kumimoji="1" lang="en-US" altLang="ja-JP" sz="4400" smtClean="0"/>
               <a:t>XLSBeans</a:t>
             </a:r>
             <a:r>
-              <a:rPr kumimoji="1" lang="ja-JP" altLang="en-US" smtClean="0"/>
+              <a:rPr kumimoji="1" lang="ja-JP" altLang="en-US" sz="4400" smtClean="0"/>
               <a:t>とは</a:t>
             </a:r>
-            <a:endParaRPr kumimoji="1" lang="ja-JP" altLang="en-US"/>
+            <a:endParaRPr kumimoji="1" lang="ja-JP" altLang="en-US" sz="4400"/>
           </a:p>
         </p:txBody>
       </p:sp>
@@ -9856,10 +10535,10 @@
           <a:lstStyle/>
           <a:p>
             <a:r>
-              <a:rPr lang="ja-JP" altLang="en-US"/>
+              <a:rPr lang="ja-JP" altLang="en-US" sz="4400"/>
               <a:t>仕様</a:t>
             </a:r>
-            <a:endParaRPr kumimoji="1" lang="ja-JP" altLang="en-US"/>
+            <a:endParaRPr kumimoji="1" lang="ja-JP" altLang="en-US" sz="4400"/>
           </a:p>
         </p:txBody>
       </p:sp>
@@ -10185,22 +10864,22 @@
           <a:lstStyle/>
           <a:p>
             <a:r>
-              <a:rPr kumimoji="1" lang="en-US" altLang="ja-JP" smtClean="0"/>
+              <a:rPr kumimoji="1" lang="en-US" altLang="ja-JP" sz="4400" smtClean="0"/>
               <a:t>Maven Project</a:t>
             </a:r>
             <a:r>
-              <a:rPr kumimoji="1" lang="ja-JP" altLang="en-US" smtClean="0"/>
+              <a:rPr kumimoji="1" lang="ja-JP" altLang="en-US" sz="4400" smtClean="0"/>
               <a:t>の作成 （</a:t>
             </a:r>
             <a:r>
-              <a:rPr kumimoji="1" lang="en-US" altLang="ja-JP" smtClean="0"/>
+              <a:rPr kumimoji="1" lang="en-US" altLang="ja-JP" sz="4400" smtClean="0"/>
               <a:t>1</a:t>
             </a:r>
             <a:r>
-              <a:rPr kumimoji="1" lang="ja-JP" altLang="en-US" smtClean="0"/>
+              <a:rPr kumimoji="1" lang="ja-JP" altLang="en-US" sz="4400" smtClean="0"/>
               <a:t>）</a:t>
             </a:r>
-            <a:endParaRPr kumimoji="1" lang="ja-JP" altLang="en-US"/>
+            <a:endParaRPr kumimoji="1" lang="ja-JP" altLang="en-US" sz="4400"/>
           </a:p>
         </p:txBody>
       </p:sp>
@@ -10618,26 +11297,26 @@
           <a:lstStyle/>
           <a:p>
             <a:r>
-              <a:rPr lang="en-US" altLang="ja-JP"/>
+              <a:rPr lang="en-US" altLang="ja-JP" sz="4400"/>
               <a:t>Maven Project</a:t>
             </a:r>
             <a:r>
-              <a:rPr lang="ja-JP" altLang="en-US"/>
+              <a:rPr lang="ja-JP" altLang="en-US" sz="4400"/>
               <a:t>の作成 </a:t>
             </a:r>
             <a:r>
-              <a:rPr lang="ja-JP" altLang="en-US" smtClean="0"/>
+              <a:rPr lang="ja-JP" altLang="en-US" sz="4400" smtClean="0"/>
               <a:t>（</a:t>
             </a:r>
             <a:r>
-              <a:rPr lang="en-US" altLang="ja-JP" smtClean="0"/>
+              <a:rPr lang="en-US" altLang="ja-JP" sz="4400" smtClean="0"/>
               <a:t>2</a:t>
             </a:r>
             <a:r>
-              <a:rPr lang="ja-JP" altLang="en-US" smtClean="0"/>
+              <a:rPr lang="ja-JP" altLang="en-US" sz="4400" smtClean="0"/>
               <a:t>）</a:t>
             </a:r>
-            <a:endParaRPr kumimoji="1" lang="ja-JP" altLang="en-US"/>
+            <a:endParaRPr kumimoji="1" lang="ja-JP" altLang="en-US" sz="4400"/>
           </a:p>
         </p:txBody>
       </p:sp>
@@ -10832,10 +11511,10 @@
           <a:lstStyle/>
           <a:p>
             <a:r>
-              <a:rPr lang="ja-JP" altLang="en-US" smtClean="0"/>
+              <a:rPr lang="ja-JP" altLang="en-US" sz="4400" smtClean="0"/>
               <a:t>依存ライブラリの追加</a:t>
             </a:r>
-            <a:endParaRPr kumimoji="1" lang="ja-JP" altLang="en-US"/>
+            <a:endParaRPr kumimoji="1" lang="ja-JP" altLang="en-US" sz="4400"/>
           </a:p>
         </p:txBody>
       </p:sp>

--- a/doc/Data Format Component.pptx
+++ b/doc/Data Format Component.pptx
@@ -7123,15 +7123,27 @@
           </a:p>
           <a:p>
             <a:r>
-              <a:rPr lang="en-US" altLang="ja-JP" sz="1400"/>
+              <a:rPr lang="en-US" altLang="ja-JP" sz="1400" b="1">
+                <a:solidFill>
+                  <a:srgbClr val="FF0000"/>
+                </a:solidFill>
+              </a:rPr>
               <a:t>public class </a:t>
             </a:r>
             <a:r>
-              <a:rPr lang="en-US" altLang="ja-JP" sz="1400" smtClean="0"/>
+              <a:rPr lang="en-US" altLang="ja-JP" sz="1400" b="1" smtClean="0">
+                <a:solidFill>
+                  <a:srgbClr val="FF0000"/>
+                </a:solidFill>
+              </a:rPr>
               <a:t>XLSBeansDataFormatTest </a:t>
             </a:r>
             <a:r>
-              <a:rPr lang="en-US" altLang="ja-JP" sz="1400"/>
+              <a:rPr lang="en-US" altLang="ja-JP" sz="1400" b="1">
+                <a:solidFill>
+                  <a:srgbClr val="FF0000"/>
+                </a:solidFill>
+              </a:rPr>
               <a:t>{</a:t>
             </a:r>
           </a:p>
@@ -7201,13 +7213,13 @@
         </p:nvSpPr>
         <p:spPr>
           <a:xfrm>
-            <a:off x="4067944" y="3284984"/>
+            <a:off x="4613116" y="4077072"/>
             <a:ext cx="3672408" cy="1080120"/>
           </a:xfrm>
           <a:prstGeom prst="wedgeRoundRectCallout">
             <a:avLst>
-              <a:gd name="adj1" fmla="val -49218"/>
-              <a:gd name="adj2" fmla="val 73385"/>
+              <a:gd name="adj1" fmla="val -65817"/>
+              <a:gd name="adj2" fmla="val 25412"/>
               <a:gd name="adj3" fmla="val 16667"/>
             </a:avLst>
           </a:prstGeom>
@@ -7285,13 +7297,13 @@
         </p:nvSpPr>
         <p:spPr>
           <a:xfrm>
-            <a:off x="4427984" y="4869160"/>
+            <a:off x="4283968" y="5301208"/>
             <a:ext cx="3888432" cy="720080"/>
           </a:xfrm>
           <a:prstGeom prst="wedgeRoundRectCallout">
             <a:avLst>
-              <a:gd name="adj1" fmla="val -59661"/>
-              <a:gd name="adj2" fmla="val 63508"/>
+              <a:gd name="adj1" fmla="val -74162"/>
+              <a:gd name="adj2" fmla="val 6364"/>
               <a:gd name="adj3" fmla="val 16667"/>
             </a:avLst>
           </a:prstGeom>
@@ -7350,6 +7362,59 @@
           <a:p>
             <a:pPr algn="ctr"/>
             <a:endParaRPr kumimoji="1" lang="ja-JP" altLang="en-US" sz="1400"/>
+          </a:p>
+        </p:txBody>
+      </p:sp>
+      <p:sp>
+        <p:nvSpPr>
+          <p:cNvPr id="7" name="角丸四角形吹き出し 6"/>
+          <p:cNvSpPr/>
+          <p:nvPr/>
+        </p:nvSpPr>
+        <p:spPr>
+          <a:xfrm>
+            <a:off x="4319972" y="2924943"/>
+            <a:ext cx="3672408" cy="851897"/>
+          </a:xfrm>
+          <a:prstGeom prst="wedgeRoundRectCallout">
+            <a:avLst>
+              <a:gd name="adj1" fmla="val -60879"/>
+              <a:gd name="adj2" fmla="val 74493"/>
+              <a:gd name="adj3" fmla="val 16667"/>
+            </a:avLst>
+          </a:prstGeom>
+          <a:ln w="38100"/>
+        </p:spPr>
+        <p:style>
+          <a:lnRef idx="2">
+            <a:schemeClr val="accent1">
+              <a:shade val="50000"/>
+            </a:schemeClr>
+          </a:lnRef>
+          <a:fillRef idx="1">
+            <a:schemeClr val="accent1"/>
+          </a:fillRef>
+          <a:effectRef idx="0">
+            <a:schemeClr val="accent1"/>
+          </a:effectRef>
+          <a:fontRef idx="minor">
+            <a:schemeClr val="lt1"/>
+          </a:fontRef>
+        </p:style>
+        <p:txBody>
+          <a:bodyPr rtlCol="0" anchor="ctr"/>
+          <a:lstStyle/>
+          <a:p>
+            <a:pPr algn="ctr"/>
+            <a:r>
+              <a:rPr kumimoji="1" lang="en-US" altLang="ja-JP" smtClean="0"/>
+              <a:t>extends ... </a:t>
+            </a:r>
+            <a:r>
+              <a:rPr kumimoji="1" lang="ja-JP" altLang="en-US" smtClean="0"/>
+              <a:t>は不要</a:t>
+            </a:r>
+            <a:endParaRPr kumimoji="1" lang="ja-JP" altLang="en-US"/>
           </a:p>
         </p:txBody>
       </p:sp>
@@ -8307,11 +8372,7 @@
           <a:p>
             <a:r>
               <a:rPr lang="en-US" altLang="ja-JP" sz="1400" smtClean="0"/>
-              <a:t>xlsBeans.setConfig(config);</a:t>
-            </a:r>
-            <a:r>
-              <a:rPr lang="en-US" altLang="ja-JP" sz="1400" smtClean="0"/>
-              <a:t>    </a:t>
+              <a:t>xlsBeans.setConfig(config);    </a:t>
             </a:r>
             <a:endParaRPr lang="en-US" altLang="ja-JP" sz="1400"/>
           </a:p>
@@ -8360,11 +8421,7 @@
             </a:r>
             <a:r>
               <a:rPr lang="en-US" altLang="ja-JP" sz="1400"/>
-              <a:t>bean id="xlsBeansDataFormat</a:t>
-            </a:r>
-            <a:r>
-              <a:rPr lang="en-US" altLang="ja-JP" sz="1400"/>
-              <a:t>" </a:t>
+              <a:t>bean id="xlsBeansDataFormat" </a:t>
             </a:r>
             <a:endParaRPr lang="en-US" altLang="ja-JP" sz="1400" smtClean="0"/>
           </a:p>
@@ -8385,11 +8442,7 @@
           <a:p>
             <a:r>
               <a:rPr lang="en-US" altLang="ja-JP" sz="1400"/>
-              <a:t>        &lt;property name="objectType</a:t>
-            </a:r>
-            <a:r>
-              <a:rPr lang="en-US" altLang="ja-JP" sz="1400"/>
-              <a:t>" </a:t>
+              <a:t>        &lt;property name="objectType" </a:t>
             </a:r>
             <a:endParaRPr lang="en-US" altLang="ja-JP" sz="1400" smtClean="0"/>
           </a:p>
@@ -8452,7 +8505,6 @@
               <a:rPr lang="en-US" altLang="ja-JP" sz="1400" b="1"/>
               <a:t>    &lt;/bean&gt;</a:t>
             </a:r>
-            <a:endParaRPr lang="en-US" altLang="ja-JP" sz="1400" b="1"/>
           </a:p>
         </p:txBody>
       </p:sp>
